--- a/Lecture_03.pptx
+++ b/Lecture_03.pptx
@@ -8,24 +8,26 @@
     <p:sldId id="256" r:id="rId2"/>
     <p:sldId id="264" r:id="rId3"/>
     <p:sldId id="257" r:id="rId4"/>
-    <p:sldId id="258" r:id="rId5"/>
-    <p:sldId id="259" r:id="rId6"/>
-    <p:sldId id="260" r:id="rId7"/>
-    <p:sldId id="261" r:id="rId8"/>
-    <p:sldId id="262" r:id="rId9"/>
-    <p:sldId id="263" r:id="rId10"/>
-    <p:sldId id="265" r:id="rId11"/>
-    <p:sldId id="266" r:id="rId12"/>
-    <p:sldId id="267" r:id="rId13"/>
-    <p:sldId id="268" r:id="rId14"/>
-    <p:sldId id="269" r:id="rId15"/>
-    <p:sldId id="270" r:id="rId16"/>
-    <p:sldId id="271" r:id="rId17"/>
-    <p:sldId id="272" r:id="rId18"/>
-    <p:sldId id="273" r:id="rId19"/>
-    <p:sldId id="274" r:id="rId20"/>
-    <p:sldId id="275" r:id="rId21"/>
-    <p:sldId id="276" r:id="rId22"/>
+    <p:sldId id="259" r:id="rId5"/>
+    <p:sldId id="260" r:id="rId6"/>
+    <p:sldId id="261" r:id="rId7"/>
+    <p:sldId id="262" r:id="rId8"/>
+    <p:sldId id="263" r:id="rId9"/>
+    <p:sldId id="265" r:id="rId10"/>
+    <p:sldId id="266" r:id="rId11"/>
+    <p:sldId id="267" r:id="rId12"/>
+    <p:sldId id="268" r:id="rId13"/>
+    <p:sldId id="269" r:id="rId14"/>
+    <p:sldId id="270" r:id="rId15"/>
+    <p:sldId id="271" r:id="rId16"/>
+    <p:sldId id="272" r:id="rId17"/>
+    <p:sldId id="273" r:id="rId18"/>
+    <p:sldId id="274" r:id="rId19"/>
+    <p:sldId id="275" r:id="rId20"/>
+    <p:sldId id="277" r:id="rId21"/>
+    <p:sldId id="278" r:id="rId22"/>
+    <p:sldId id="279" r:id="rId23"/>
+    <p:sldId id="276" r:id="rId24"/>
   </p:sldIdLst>
   <p:sldSz cx="12192000" cy="6858000"/>
   <p:notesSz cx="6858000" cy="9144000"/>
@@ -263,7 +265,7 @@
           <a:p>
             <a:fld id="{DE989FDC-5E7E-46DE-9CB8-D3A69958DE60}" type="datetimeFigureOut">
               <a:rPr lang="en-CA" smtClean="0"/>
-              <a:t>2019-09-08</a:t>
+              <a:t>2019-09-09</a:t>
             </a:fld>
             <a:endParaRPr lang="en-CA"/>
           </a:p>
@@ -433,7 +435,7 @@
           <a:p>
             <a:fld id="{DE989FDC-5E7E-46DE-9CB8-D3A69958DE60}" type="datetimeFigureOut">
               <a:rPr lang="en-CA" smtClean="0"/>
-              <a:t>2019-09-08</a:t>
+              <a:t>2019-09-09</a:t>
             </a:fld>
             <a:endParaRPr lang="en-CA"/>
           </a:p>
@@ -613,7 +615,7 @@
           <a:p>
             <a:fld id="{DE989FDC-5E7E-46DE-9CB8-D3A69958DE60}" type="datetimeFigureOut">
               <a:rPr lang="en-CA" smtClean="0"/>
-              <a:t>2019-09-08</a:t>
+              <a:t>2019-09-09</a:t>
             </a:fld>
             <a:endParaRPr lang="en-CA"/>
           </a:p>
@@ -783,7 +785,7 @@
           <a:p>
             <a:fld id="{DE989FDC-5E7E-46DE-9CB8-D3A69958DE60}" type="datetimeFigureOut">
               <a:rPr lang="en-CA" smtClean="0"/>
-              <a:t>2019-09-08</a:t>
+              <a:t>2019-09-09</a:t>
             </a:fld>
             <a:endParaRPr lang="en-CA"/>
           </a:p>
@@ -1029,7 +1031,7 @@
           <a:p>
             <a:fld id="{DE989FDC-5E7E-46DE-9CB8-D3A69958DE60}" type="datetimeFigureOut">
               <a:rPr lang="en-CA" smtClean="0"/>
-              <a:t>2019-09-08</a:t>
+              <a:t>2019-09-09</a:t>
             </a:fld>
             <a:endParaRPr lang="en-CA"/>
           </a:p>
@@ -1261,7 +1263,7 @@
           <a:p>
             <a:fld id="{DE989FDC-5E7E-46DE-9CB8-D3A69958DE60}" type="datetimeFigureOut">
               <a:rPr lang="en-CA" smtClean="0"/>
-              <a:t>2019-09-08</a:t>
+              <a:t>2019-09-09</a:t>
             </a:fld>
             <a:endParaRPr lang="en-CA"/>
           </a:p>
@@ -1628,7 +1630,7 @@
           <a:p>
             <a:fld id="{DE989FDC-5E7E-46DE-9CB8-D3A69958DE60}" type="datetimeFigureOut">
               <a:rPr lang="en-CA" smtClean="0"/>
-              <a:t>2019-09-08</a:t>
+              <a:t>2019-09-09</a:t>
             </a:fld>
             <a:endParaRPr lang="en-CA"/>
           </a:p>
@@ -1746,7 +1748,7 @@
           <a:p>
             <a:fld id="{DE989FDC-5E7E-46DE-9CB8-D3A69958DE60}" type="datetimeFigureOut">
               <a:rPr lang="en-CA" smtClean="0"/>
-              <a:t>2019-09-08</a:t>
+              <a:t>2019-09-09</a:t>
             </a:fld>
             <a:endParaRPr lang="en-CA"/>
           </a:p>
@@ -1841,7 +1843,7 @@
           <a:p>
             <a:fld id="{DE989FDC-5E7E-46DE-9CB8-D3A69958DE60}" type="datetimeFigureOut">
               <a:rPr lang="en-CA" smtClean="0"/>
-              <a:t>2019-09-08</a:t>
+              <a:t>2019-09-09</a:t>
             </a:fld>
             <a:endParaRPr lang="en-CA"/>
           </a:p>
@@ -2118,7 +2120,7 @@
           <a:p>
             <a:fld id="{DE989FDC-5E7E-46DE-9CB8-D3A69958DE60}" type="datetimeFigureOut">
               <a:rPr lang="en-CA" smtClean="0"/>
-              <a:t>2019-09-08</a:t>
+              <a:t>2019-09-09</a:t>
             </a:fld>
             <a:endParaRPr lang="en-CA"/>
           </a:p>
@@ -2371,7 +2373,7 @@
           <a:p>
             <a:fld id="{DE989FDC-5E7E-46DE-9CB8-D3A69958DE60}" type="datetimeFigureOut">
               <a:rPr lang="en-CA" smtClean="0"/>
-              <a:t>2019-09-08</a:t>
+              <a:t>2019-09-09</a:t>
             </a:fld>
             <a:endParaRPr lang="en-CA"/>
           </a:p>
@@ -2584,7 +2586,7 @@
           <a:p>
             <a:fld id="{DE989FDC-5E7E-46DE-9CB8-D3A69958DE60}" type="datetimeFigureOut">
               <a:rPr lang="en-CA" smtClean="0"/>
-              <a:t>2019-09-08</a:t>
+              <a:t>2019-09-09</a:t>
             </a:fld>
             <a:endParaRPr lang="en-CA"/>
           </a:p>
@@ -3110,7 +3112,7 @@
           <a:p>
             <a:r>
               <a:rPr lang="en-CA" dirty="0" smtClean="0"/>
-              <a:t>Model Tree example:</a:t>
+              <a:t>3.4 Rules</a:t>
             </a:r>
             <a:endParaRPr lang="en-CA" dirty="0"/>
           </a:p>
@@ -3126,75 +3128,195 @@
             <p:ph idx="1"/>
           </p:nvPr>
         </p:nvSpPr>
-        <p:spPr>
-          <a:xfrm>
-            <a:off x="838200" y="1825625"/>
-            <a:ext cx="4135582" cy="4351338"/>
-          </a:xfrm>
-        </p:spPr>
+        <p:spPr/>
         <p:txBody>
           <a:bodyPr/>
           <a:lstStyle/>
           <a:p>
             <a:r>
               <a:rPr lang="en-CA" dirty="0" smtClean="0"/>
-              <a:t>Combine regression equation with regression tree</a:t>
+              <a:t>Popular alternative to decision trees</a:t>
             </a:r>
           </a:p>
           <a:p>
             <a:r>
               <a:rPr lang="en-CA" dirty="0" smtClean="0"/>
-              <a:t>Model tree approximates continuous functions by linear patches</a:t>
-            </a:r>
+              <a:t>Antecedent and consequent</a:t>
+            </a:r>
+          </a:p>
+          <a:p>
             <a:endParaRPr lang="en-CA" dirty="0"/>
           </a:p>
         </p:txBody>
       </p:sp>
       <p:pic>
         <p:nvPicPr>
-          <p:cNvPr id="1026" name="Picture 2" descr="Image result for model tree regression"/>
+          <p:cNvPr id="4" name="Picture 3"/>
           <p:cNvPicPr>
-            <a:picLocks noChangeAspect="1" noChangeArrowheads="1"/>
+            <a:picLocks noChangeAspect="1"/>
           </p:cNvPicPr>
           <p:nvPr/>
         </p:nvPicPr>
         <p:blipFill>
-          <a:blip r:embed="rId2">
-            <a:extLst>
-              <a:ext uri="{28A0092B-C50C-407E-A947-70E740481C1C}">
-                <a14:useLocalDpi xmlns:a14="http://schemas.microsoft.com/office/drawing/2010/main" val="0"/>
-              </a:ext>
-            </a:extLst>
-          </a:blip>
-          <a:srcRect/>
+          <a:blip r:embed="rId2"/>
           <a:stretch>
             <a:fillRect/>
           </a:stretch>
         </p:blipFill>
-        <p:spPr bwMode="auto">
+        <p:spPr>
           <a:xfrm>
-            <a:off x="4668768" y="1591108"/>
-            <a:ext cx="7066031" cy="4585855"/>
+            <a:off x="1182398" y="3216419"/>
+            <a:ext cx="10104652" cy="745981"/>
+          </a:xfrm>
+          <a:prstGeom prst="rect">
+            <a:avLst/>
+          </a:prstGeom>
+        </p:spPr>
+      </p:pic>
+      <p:sp>
+        <p:nvSpPr>
+          <p:cNvPr id="6" name="Left Brace 5"/>
+          <p:cNvSpPr/>
+          <p:nvPr/>
+        </p:nvSpPr>
+        <p:spPr>
+          <a:xfrm rot="16200000">
+            <a:off x="4646129" y="1171408"/>
+            <a:ext cx="685678" cy="6537533"/>
+          </a:xfrm>
+          <a:prstGeom prst="leftBrace">
+            <a:avLst/>
+          </a:prstGeom>
+          <a:noFill/>
+          <a:ln w="76200"/>
+        </p:spPr>
+        <p:style>
+          <a:lnRef idx="1">
+            <a:schemeClr val="accent1"/>
+          </a:lnRef>
+          <a:fillRef idx="0">
+            <a:schemeClr val="accent1"/>
+          </a:fillRef>
+          <a:effectRef idx="0">
+            <a:schemeClr val="accent1"/>
+          </a:effectRef>
+          <a:fontRef idx="minor">
+            <a:schemeClr val="tx1"/>
+          </a:fontRef>
+        </p:style>
+        <p:txBody>
+          <a:bodyPr rtlCol="0" anchor="ctr"/>
+          <a:lstStyle/>
+          <a:p>
+            <a:pPr algn="ctr"/>
+            <a:endParaRPr lang="en-CA"/>
+          </a:p>
+        </p:txBody>
+      </p:sp>
+      <p:sp>
+        <p:nvSpPr>
+          <p:cNvPr id="7" name="Left Brace 6"/>
+          <p:cNvSpPr/>
+          <p:nvPr/>
+        </p:nvSpPr>
+        <p:spPr>
+          <a:xfrm rot="16200000">
+            <a:off x="9979424" y="3362846"/>
+            <a:ext cx="689576" cy="1925678"/>
+          </a:xfrm>
+          <a:prstGeom prst="leftBrace">
+            <a:avLst/>
+          </a:prstGeom>
+          <a:noFill/>
+          <a:ln w="76200"/>
+        </p:spPr>
+        <p:style>
+          <a:lnRef idx="1">
+            <a:schemeClr val="accent1"/>
+          </a:lnRef>
+          <a:fillRef idx="0">
+            <a:schemeClr val="accent1"/>
+          </a:fillRef>
+          <a:effectRef idx="0">
+            <a:schemeClr val="accent1"/>
+          </a:effectRef>
+          <a:fontRef idx="minor">
+            <a:schemeClr val="tx1"/>
+          </a:fontRef>
+        </p:style>
+        <p:txBody>
+          <a:bodyPr rtlCol="0" anchor="ctr"/>
+          <a:lstStyle/>
+          <a:p>
+            <a:pPr algn="ctr"/>
+            <a:endParaRPr lang="en-CA"/>
+          </a:p>
+        </p:txBody>
+      </p:sp>
+      <p:sp>
+        <p:nvSpPr>
+          <p:cNvPr id="8" name="TextBox 7"/>
+          <p:cNvSpPr txBox="1"/>
+          <p:nvPr/>
+        </p:nvSpPr>
+        <p:spPr>
+          <a:xfrm>
+            <a:off x="4362995" y="5168528"/>
+            <a:ext cx="1605439" cy="461665"/>
           </a:xfrm>
           <a:prstGeom prst="rect">
             <a:avLst/>
           </a:prstGeom>
           <a:noFill/>
-          <a:extLst>
-            <a:ext uri="{909E8E84-426E-40DD-AFC4-6F175D3DCCD1}">
-              <a14:hiddenFill xmlns:a14="http://schemas.microsoft.com/office/drawing/2010/main">
-                <a:solidFill>
-                  <a:srgbClr val="FFFFFF"/>
-                </a:solidFill>
-              </a14:hiddenFill>
-            </a:ext>
-          </a:extLst>
         </p:spPr>
-      </p:pic>
+        <p:txBody>
+          <a:bodyPr wrap="none" rtlCol="0">
+            <a:spAutoFit/>
+          </a:bodyPr>
+          <a:lstStyle/>
+          <a:p>
+            <a:r>
+              <a:rPr lang="en-CA" sz="2400" dirty="0" smtClean="0"/>
+              <a:t>antecedent</a:t>
+            </a:r>
+            <a:endParaRPr lang="en-CA" sz="2400" dirty="0"/>
+          </a:p>
+        </p:txBody>
+      </p:sp>
+      <p:sp>
+        <p:nvSpPr>
+          <p:cNvPr id="9" name="TextBox 8"/>
+          <p:cNvSpPr txBox="1"/>
+          <p:nvPr/>
+        </p:nvSpPr>
+        <p:spPr>
+          <a:xfrm>
+            <a:off x="9580099" y="5168528"/>
+            <a:ext cx="2110154" cy="461665"/>
+          </a:xfrm>
+          <a:prstGeom prst="rect">
+            <a:avLst/>
+          </a:prstGeom>
+          <a:noFill/>
+        </p:spPr>
+        <p:txBody>
+          <a:bodyPr wrap="square" rtlCol="0">
+            <a:spAutoFit/>
+          </a:bodyPr>
+          <a:lstStyle/>
+          <a:p>
+            <a:r>
+              <a:rPr lang="en-CA" sz="2400" dirty="0" smtClean="0"/>
+              <a:t>consequent</a:t>
+            </a:r>
+            <a:endParaRPr lang="en-CA" sz="2400" dirty="0"/>
+          </a:p>
+        </p:txBody>
+      </p:sp>
     </p:spTree>
     <p:extLst>
       <p:ext uri="{BB962C8B-B14F-4D97-AF65-F5344CB8AC3E}">
-        <p14:creationId xmlns:p14="http://schemas.microsoft.com/office/powerpoint/2010/main" val="2483070122"/>
+        <p14:creationId xmlns:p14="http://schemas.microsoft.com/office/powerpoint/2010/main" val="900972774"/>
       </p:ext>
     </p:extLst>
   </p:cSld>
@@ -3301,314 +3423,15 @@
                                   </p:childTnLst>
                                 </p:cTn>
                               </p:par>
-                            </p:childTnLst>
-                          </p:cTn>
-                        </p:par>
-                      </p:childTnLst>
-                    </p:cTn>
-                  </p:par>
-                </p:childTnLst>
-              </p:cTn>
-              <p:prevCondLst>
-                <p:cond evt="onPrev" delay="0">
-                  <p:tgtEl>
-                    <p:sldTgt/>
-                  </p:tgtEl>
-                </p:cond>
-              </p:prevCondLst>
-              <p:nextCondLst>
-                <p:cond evt="onNext" delay="0">
-                  <p:tgtEl>
-                    <p:sldTgt/>
-                  </p:tgtEl>
-                </p:cond>
-              </p:nextCondLst>
-            </p:seq>
-          </p:childTnLst>
-        </p:cTn>
-      </p:par>
-    </p:tnLst>
-    <p:bldLst>
-      <p:bldP spid="3" grpId="0" build="p"/>
-    </p:bldLst>
-  </p:timing>
-</p:sld>
-</file>
-
-<file path=ppt/slides/slide11.xml><?xml version="1.0" encoding="utf-8"?>
-<p:sld xmlns:a="http://schemas.openxmlformats.org/drawingml/2006/main" xmlns:r="http://schemas.openxmlformats.org/officeDocument/2006/relationships" xmlns:p="http://schemas.openxmlformats.org/presentationml/2006/main">
-  <p:cSld>
-    <p:spTree>
-      <p:nvGrpSpPr>
-        <p:cNvPr id="1" name=""/>
-        <p:cNvGrpSpPr/>
-        <p:nvPr/>
-      </p:nvGrpSpPr>
-      <p:grpSpPr>
-        <a:xfrm>
-          <a:off x="0" y="0"/>
-          <a:ext cx="0" cy="0"/>
-          <a:chOff x="0" y="0"/>
-          <a:chExt cx="0" cy="0"/>
-        </a:xfrm>
-      </p:grpSpPr>
-      <p:sp>
-        <p:nvSpPr>
-          <p:cNvPr id="2" name="Title 1"/>
-          <p:cNvSpPr>
-            <a:spLocks noGrp="1"/>
-          </p:cNvSpPr>
-          <p:nvPr>
-            <p:ph type="title"/>
-          </p:nvPr>
-        </p:nvSpPr>
-        <p:spPr/>
-        <p:txBody>
-          <a:bodyPr/>
-          <a:lstStyle/>
-          <a:p>
-            <a:r>
-              <a:rPr lang="en-CA" dirty="0" smtClean="0"/>
-              <a:t>3.4 Rules</a:t>
-            </a:r>
-            <a:endParaRPr lang="en-CA" dirty="0"/>
-          </a:p>
-        </p:txBody>
-      </p:sp>
-      <p:sp>
-        <p:nvSpPr>
-          <p:cNvPr id="3" name="Content Placeholder 2"/>
-          <p:cNvSpPr>
-            <a:spLocks noGrp="1"/>
-          </p:cNvSpPr>
-          <p:nvPr>
-            <p:ph idx="1"/>
-          </p:nvPr>
-        </p:nvSpPr>
-        <p:spPr/>
-        <p:txBody>
-          <a:bodyPr/>
-          <a:lstStyle/>
-          <a:p>
-            <a:r>
-              <a:rPr lang="en-CA" dirty="0" smtClean="0"/>
-              <a:t>Popular alternative to decision trees</a:t>
-            </a:r>
-          </a:p>
-          <a:p>
-            <a:r>
-              <a:rPr lang="en-CA" dirty="0" smtClean="0"/>
-              <a:t>Antecedent and consequent</a:t>
-            </a:r>
-          </a:p>
-          <a:p>
-            <a:endParaRPr lang="en-CA" dirty="0"/>
-          </a:p>
-        </p:txBody>
-      </p:sp>
-      <p:pic>
-        <p:nvPicPr>
-          <p:cNvPr id="4" name="Picture 3"/>
-          <p:cNvPicPr>
-            <a:picLocks noChangeAspect="1"/>
-          </p:cNvPicPr>
-          <p:nvPr/>
-        </p:nvPicPr>
-        <p:blipFill>
-          <a:blip r:embed="rId2"/>
-          <a:stretch>
-            <a:fillRect/>
-          </a:stretch>
-        </p:blipFill>
-        <p:spPr>
-          <a:xfrm>
-            <a:off x="1182398" y="3216419"/>
-            <a:ext cx="10104652" cy="745981"/>
-          </a:xfrm>
-          <a:prstGeom prst="rect">
-            <a:avLst/>
-          </a:prstGeom>
-        </p:spPr>
-      </p:pic>
-      <p:sp>
-        <p:nvSpPr>
-          <p:cNvPr id="6" name="Left Brace 5"/>
-          <p:cNvSpPr/>
-          <p:nvPr/>
-        </p:nvSpPr>
-        <p:spPr>
-          <a:xfrm rot="16200000">
-            <a:off x="4646129" y="1171408"/>
-            <a:ext cx="685678" cy="6537533"/>
-          </a:xfrm>
-          <a:prstGeom prst="leftBrace">
-            <a:avLst/>
-          </a:prstGeom>
-          <a:noFill/>
-          <a:ln w="76200"/>
-        </p:spPr>
-        <p:style>
-          <a:lnRef idx="1">
-            <a:schemeClr val="accent1"/>
-          </a:lnRef>
-          <a:fillRef idx="0">
-            <a:schemeClr val="accent1"/>
-          </a:fillRef>
-          <a:effectRef idx="0">
-            <a:schemeClr val="accent1"/>
-          </a:effectRef>
-          <a:fontRef idx="minor">
-            <a:schemeClr val="tx1"/>
-          </a:fontRef>
-        </p:style>
-        <p:txBody>
-          <a:bodyPr rtlCol="0" anchor="ctr"/>
-          <a:lstStyle/>
-          <a:p>
-            <a:pPr algn="ctr"/>
-            <a:endParaRPr lang="en-CA"/>
-          </a:p>
-        </p:txBody>
-      </p:sp>
-      <p:sp>
-        <p:nvSpPr>
-          <p:cNvPr id="7" name="Left Brace 6"/>
-          <p:cNvSpPr/>
-          <p:nvPr/>
-        </p:nvSpPr>
-        <p:spPr>
-          <a:xfrm rot="16200000">
-            <a:off x="9979424" y="3362846"/>
-            <a:ext cx="689576" cy="1925678"/>
-          </a:xfrm>
-          <a:prstGeom prst="leftBrace">
-            <a:avLst/>
-          </a:prstGeom>
-          <a:noFill/>
-          <a:ln w="76200"/>
-        </p:spPr>
-        <p:style>
-          <a:lnRef idx="1">
-            <a:schemeClr val="accent1"/>
-          </a:lnRef>
-          <a:fillRef idx="0">
-            <a:schemeClr val="accent1"/>
-          </a:fillRef>
-          <a:effectRef idx="0">
-            <a:schemeClr val="accent1"/>
-          </a:effectRef>
-          <a:fontRef idx="minor">
-            <a:schemeClr val="tx1"/>
-          </a:fontRef>
-        </p:style>
-        <p:txBody>
-          <a:bodyPr rtlCol="0" anchor="ctr"/>
-          <a:lstStyle/>
-          <a:p>
-            <a:pPr algn="ctr"/>
-            <a:endParaRPr lang="en-CA"/>
-          </a:p>
-        </p:txBody>
-      </p:sp>
-      <p:sp>
-        <p:nvSpPr>
-          <p:cNvPr id="8" name="TextBox 7"/>
-          <p:cNvSpPr txBox="1"/>
-          <p:nvPr/>
-        </p:nvSpPr>
-        <p:spPr>
-          <a:xfrm>
-            <a:off x="4362995" y="5168528"/>
-            <a:ext cx="1605439" cy="461665"/>
-          </a:xfrm>
-          <a:prstGeom prst="rect">
-            <a:avLst/>
-          </a:prstGeom>
-          <a:noFill/>
-        </p:spPr>
-        <p:txBody>
-          <a:bodyPr wrap="none" rtlCol="0">
-            <a:spAutoFit/>
-          </a:bodyPr>
-          <a:lstStyle/>
-          <a:p>
-            <a:r>
-              <a:rPr lang="en-CA" sz="2400" dirty="0" smtClean="0"/>
-              <a:t>antecedent</a:t>
-            </a:r>
-            <a:endParaRPr lang="en-CA" sz="2400" dirty="0"/>
-          </a:p>
-        </p:txBody>
-      </p:sp>
-      <p:sp>
-        <p:nvSpPr>
-          <p:cNvPr id="9" name="TextBox 8"/>
-          <p:cNvSpPr txBox="1"/>
-          <p:nvPr/>
-        </p:nvSpPr>
-        <p:spPr>
-          <a:xfrm>
-            <a:off x="9580099" y="5168528"/>
-            <a:ext cx="2110154" cy="461665"/>
-          </a:xfrm>
-          <a:prstGeom prst="rect">
-            <a:avLst/>
-          </a:prstGeom>
-          <a:noFill/>
-        </p:spPr>
-        <p:txBody>
-          <a:bodyPr wrap="square" rtlCol="0">
-            <a:spAutoFit/>
-          </a:bodyPr>
-          <a:lstStyle/>
-          <a:p>
-            <a:r>
-              <a:rPr lang="en-CA" sz="2400" dirty="0" smtClean="0"/>
-              <a:t>consequent</a:t>
-            </a:r>
-            <a:endParaRPr lang="en-CA" sz="2400" dirty="0"/>
-          </a:p>
-        </p:txBody>
-      </p:sp>
-    </p:spTree>
-    <p:extLst>
-      <p:ext uri="{BB962C8B-B14F-4D97-AF65-F5344CB8AC3E}">
-        <p14:creationId xmlns:p14="http://schemas.microsoft.com/office/powerpoint/2010/main" val="900972774"/>
-      </p:ext>
-    </p:extLst>
-  </p:cSld>
-  <p:clrMapOvr>
-    <a:masterClrMapping/>
-  </p:clrMapOvr>
-  <p:timing>
-    <p:tnLst>
-      <p:par>
-        <p:cTn id="1" dur="indefinite" restart="never" nodeType="tmRoot">
-          <p:childTnLst>
-            <p:seq concurrent="1" nextAc="seek">
-              <p:cTn id="2" dur="indefinite" nodeType="mainSeq">
-                <p:childTnLst>
-                  <p:par>
-                    <p:cTn id="3" fill="hold">
-                      <p:stCondLst>
-                        <p:cond delay="indefinite"/>
-                      </p:stCondLst>
-                      <p:childTnLst>
-                        <p:par>
-                          <p:cTn id="4" fill="hold">
-                            <p:stCondLst>
-                              <p:cond delay="0"/>
-                            </p:stCondLst>
-                            <p:childTnLst>
                               <p:par>
-                                <p:cTn id="5" presetID="1" presetClass="entr" presetSubtype="0" fill="hold" nodeType="clickEffect">
+                                <p:cTn id="11" presetID="1" presetClass="entr" presetSubtype="0" fill="hold" nodeType="withEffect">
                                   <p:stCondLst>
                                     <p:cond delay="0"/>
                                   </p:stCondLst>
                                   <p:childTnLst>
                                     <p:set>
                                       <p:cBhvr>
-                                        <p:cTn id="6" dur="1" fill="hold">
+                                        <p:cTn id="12" dur="1" fill="hold">
                                           <p:stCondLst>
                                             <p:cond delay="0"/>
                                           </p:stCondLst>
@@ -3627,15 +3450,33 @@
                                   </p:childTnLst>
                                 </p:cTn>
                               </p:par>
+                            </p:childTnLst>
+                          </p:cTn>
+                        </p:par>
+                      </p:childTnLst>
+                    </p:cTn>
+                  </p:par>
+                  <p:par>
+                    <p:cTn id="13" fill="hold">
+                      <p:stCondLst>
+                        <p:cond delay="indefinite"/>
+                      </p:stCondLst>
+                      <p:childTnLst>
+                        <p:par>
+                          <p:cTn id="14" fill="hold">
+                            <p:stCondLst>
+                              <p:cond delay="0"/>
+                            </p:stCondLst>
+                            <p:childTnLst>
                               <p:par>
-                                <p:cTn id="7" presetID="1" presetClass="entr" presetSubtype="0" fill="hold" grpId="0" nodeType="withEffect">
+                                <p:cTn id="15" presetID="1" presetClass="entr" presetSubtype="0" fill="hold" grpId="0" nodeType="clickEffect">
                                   <p:stCondLst>
                                     <p:cond delay="0"/>
                                   </p:stCondLst>
                                   <p:childTnLst>
                                     <p:set>
                                       <p:cBhvr>
-                                        <p:cTn id="8" dur="1" fill="hold">
+                                        <p:cTn id="16" dur="1" fill="hold">
                                           <p:stCondLst>
                                             <p:cond delay="0"/>
                                           </p:stCondLst>
@@ -3655,41 +3496,14 @@
                                 </p:cTn>
                               </p:par>
                               <p:par>
-                                <p:cTn id="9" presetID="1" presetClass="entr" presetSubtype="0" fill="hold" grpId="0" nodeType="withEffect">
+                                <p:cTn id="17" presetID="1" presetClass="entr" presetSubtype="0" fill="hold" grpId="0" nodeType="withEffect">
                                   <p:stCondLst>
                                     <p:cond delay="0"/>
                                   </p:stCondLst>
                                   <p:childTnLst>
                                     <p:set>
                                       <p:cBhvr>
-                                        <p:cTn id="10" dur="1" fill="hold">
-                                          <p:stCondLst>
-                                            <p:cond delay="0"/>
-                                          </p:stCondLst>
-                                        </p:cTn>
-                                        <p:tgtEl>
-                                          <p:spTgt spid="8"/>
-                                        </p:tgtEl>
-                                        <p:attrNameLst>
-                                          <p:attrName>style.visibility</p:attrName>
-                                        </p:attrNameLst>
-                                      </p:cBhvr>
-                                      <p:to>
-                                        <p:strVal val="visible"/>
-                                      </p:to>
-                                    </p:set>
-                                  </p:childTnLst>
-                                </p:cTn>
-                              </p:par>
-                              <p:par>
-                                <p:cTn id="11" presetID="1" presetClass="entr" presetSubtype="0" fill="hold" grpId="0" nodeType="withEffect">
-                                  <p:stCondLst>
-                                    <p:cond delay="0"/>
-                                  </p:stCondLst>
-                                  <p:childTnLst>
-                                    <p:set>
-                                      <p:cBhvr>
-                                        <p:cTn id="12" dur="1" fill="hold">
+                                        <p:cTn id="18" dur="1" fill="hold">
                                           <p:stCondLst>
                                             <p:cond delay="0"/>
                                           </p:stCondLst>
@@ -3709,20 +3523,47 @@
                                 </p:cTn>
                               </p:par>
                               <p:par>
-                                <p:cTn id="13" presetID="1" presetClass="entr" presetSubtype="0" fill="hold" grpId="0" nodeType="withEffect">
+                                <p:cTn id="19" presetID="1" presetClass="entr" presetSubtype="0" fill="hold" grpId="0" nodeType="withEffect">
                                   <p:stCondLst>
                                     <p:cond delay="0"/>
                                   </p:stCondLst>
                                   <p:childTnLst>
                                     <p:set>
                                       <p:cBhvr>
-                                        <p:cTn id="14" dur="1" fill="hold">
+                                        <p:cTn id="20" dur="1" fill="hold">
                                           <p:stCondLst>
                                             <p:cond delay="0"/>
                                           </p:stCondLst>
                                         </p:cTn>
                                         <p:tgtEl>
                                           <p:spTgt spid="9"/>
+                                        </p:tgtEl>
+                                        <p:attrNameLst>
+                                          <p:attrName>style.visibility</p:attrName>
+                                        </p:attrNameLst>
+                                      </p:cBhvr>
+                                      <p:to>
+                                        <p:strVal val="visible"/>
+                                      </p:to>
+                                    </p:set>
+                                  </p:childTnLst>
+                                </p:cTn>
+                              </p:par>
+                              <p:par>
+                                <p:cTn id="21" presetID="1" presetClass="entr" presetSubtype="0" fill="hold" grpId="0" nodeType="withEffect">
+                                  <p:stCondLst>
+                                    <p:cond delay="0"/>
+                                  </p:stCondLst>
+                                  <p:childTnLst>
+                                    <p:set>
+                                      <p:cBhvr>
+                                        <p:cTn id="22" dur="1" fill="hold">
+                                          <p:stCondLst>
+                                            <p:cond delay="0"/>
+                                          </p:stCondLst>
+                                        </p:cTn>
+                                        <p:tgtEl>
+                                          <p:spTgt spid="8"/>
                                         </p:tgtEl>
                                         <p:attrNameLst>
                                           <p:attrName>style.visibility</p:attrName>
@@ -3763,6 +3604,7 @@
       </p:par>
     </p:tnLst>
     <p:bldLst>
+      <p:bldP spid="3" grpId="0" build="p"/>
       <p:bldP spid="6" grpId="0" animBg="1"/>
       <p:bldP spid="7" grpId="0" animBg="1"/>
       <p:bldP spid="8" grpId="0"/>
@@ -3772,7 +3614,7 @@
 </p:sld>
 </file>
 
-<file path=ppt/slides/slide12.xml><?xml version="1.0" encoding="utf-8"?>
+<file path=ppt/slides/slide11.xml><?xml version="1.0" encoding="utf-8"?>
 <p:sld xmlns:a="http://schemas.openxmlformats.org/drawingml/2006/main" xmlns:r="http://schemas.openxmlformats.org/officeDocument/2006/relationships" xmlns:p="http://schemas.openxmlformats.org/presentationml/2006/main">
   <p:cSld>
     <p:spTree>
@@ -3898,11 +3740,7 @@
             <a:pPr lvl="1"/>
             <a:r>
               <a:rPr lang="en-CA" dirty="0" smtClean="0"/>
-              <a:t>Consequent = </a:t>
-            </a:r>
-            <a:r>
-              <a:rPr lang="en-CA" dirty="0" smtClean="0"/>
-              <a:t>class assigned by the leaf</a:t>
+              <a:t>Consequent = class assigned by the leaf</a:t>
             </a:r>
           </a:p>
           <a:p>
@@ -3926,11 +3764,7 @@
           <a:p>
             <a:r>
               <a:rPr lang="en-CA" dirty="0" smtClean="0"/>
-              <a:t>Going from rules to tree? </a:t>
-            </a:r>
-            <a:r>
-              <a:rPr lang="en-CA" dirty="0" smtClean="0"/>
-              <a:t>Difficult to transform a given set of rules into a decision tree</a:t>
+              <a:t>Going from rules to tree? Difficult to transform a given set of rules into a decision tree</a:t>
             </a:r>
           </a:p>
           <a:p>
@@ -4318,7 +4152,7 @@
 </p:sld>
 </file>
 
-<file path=ppt/slides/slide13.xml><?xml version="1.0" encoding="utf-8"?>
+<file path=ppt/slides/slide12.xml><?xml version="1.0" encoding="utf-8"?>
 <p:sld xmlns:a="http://schemas.openxmlformats.org/drawingml/2006/main" xmlns:r="http://schemas.openxmlformats.org/officeDocument/2006/relationships" xmlns:p="http://schemas.openxmlformats.org/presentationml/2006/main">
   <p:cSld>
     <p:spTree>
@@ -4709,7 +4543,7 @@
 </p:sld>
 </file>
 
-<file path=ppt/slides/slide14.xml><?xml version="1.0" encoding="utf-8"?>
+<file path=ppt/slides/slide13.xml><?xml version="1.0" encoding="utf-8"?>
 <p:sld xmlns:a="http://schemas.openxmlformats.org/drawingml/2006/main" xmlns:r="http://schemas.openxmlformats.org/officeDocument/2006/relationships" xmlns:p="http://schemas.openxmlformats.org/presentationml/2006/main">
   <p:cSld>
     <p:spTree>
@@ -4743,7 +4577,7 @@
           <a:p>
             <a:r>
               <a:rPr lang="en-CA" dirty="0" smtClean="0"/>
-              <a:t>Replicated subtree problem</a:t>
+              <a:t>Representing XOR</a:t>
             </a:r>
             <a:endParaRPr lang="en-CA" dirty="0"/>
           </a:p>
@@ -5008,7 +4842,7 @@
 </p:sld>
 </file>
 
-<file path=ppt/slides/slide15.xml><?xml version="1.0" encoding="utf-8"?>
+<file path=ppt/slides/slide14.xml><?xml version="1.0" encoding="utf-8"?>
 <p:sld xmlns:a="http://schemas.openxmlformats.org/drawingml/2006/main" xmlns:r="http://schemas.openxmlformats.org/officeDocument/2006/relationships" xmlns:p="http://schemas.openxmlformats.org/presentationml/2006/main">
   <p:cSld>
     <p:spTree>
@@ -5066,7 +4900,7 @@
           <a:p>
             <a:r>
               <a:rPr lang="en-CA" dirty="0" smtClean="0"/>
-              <a:t>Replicated subtree</a:t>
+              <a:t>Replicated subtree problem</a:t>
             </a:r>
             <a:endParaRPr lang="en-CA" dirty="0"/>
           </a:p>
@@ -5363,7 +5197,7 @@
 </p:sld>
 </file>
 
-<file path=ppt/slides/slide16.xml><?xml version="1.0" encoding="utf-8"?>
+<file path=ppt/slides/slide15.xml><?xml version="1.0" encoding="utf-8"?>
 <p:sld xmlns:a="http://schemas.openxmlformats.org/drawingml/2006/main" xmlns:r="http://schemas.openxmlformats.org/officeDocument/2006/relationships" xmlns:p="http://schemas.openxmlformats.org/presentationml/2006/main">
   <p:cSld>
     <p:spTree>
@@ -5791,7 +5625,7 @@
 </p:sld>
 </file>
 
-<file path=ppt/slides/slide17.xml><?xml version="1.0" encoding="utf-8"?>
+<file path=ppt/slides/slide16.xml><?xml version="1.0" encoding="utf-8"?>
 <p:sld xmlns:a="http://schemas.openxmlformats.org/drawingml/2006/main" xmlns:r="http://schemas.openxmlformats.org/officeDocument/2006/relationships" xmlns:p="http://schemas.openxmlformats.org/presentationml/2006/main">
   <p:cSld>
     <p:spTree>
@@ -6291,7 +6125,7 @@
 </p:sld>
 </file>
 
-<file path=ppt/slides/slide18.xml><?xml version="1.0" encoding="utf-8"?>
+<file path=ppt/slides/slide17.xml><?xml version="1.0" encoding="utf-8"?>
 <p:sld xmlns:a="http://schemas.openxmlformats.org/drawingml/2006/main" xmlns:r="http://schemas.openxmlformats.org/officeDocument/2006/relationships" xmlns:p="http://schemas.openxmlformats.org/presentationml/2006/main">
   <p:cSld>
     <p:spTree>
@@ -6748,7 +6582,7 @@
 </p:sld>
 </file>
 
-<file path=ppt/slides/slide19.xml><?xml version="1.0" encoding="utf-8"?>
+<file path=ppt/slides/slide18.xml><?xml version="1.0" encoding="utf-8"?>
 <p:sld xmlns:a="http://schemas.openxmlformats.org/drawingml/2006/main" xmlns:r="http://schemas.openxmlformats.org/officeDocument/2006/relationships" xmlns:p="http://schemas.openxmlformats.org/presentationml/2006/main">
   <p:cSld>
     <p:spTree>
@@ -7057,173 +6891,7 @@
 </p:sld>
 </file>
 
-<file path=ppt/slides/slide2.xml><?xml version="1.0" encoding="utf-8"?>
-<p:sld xmlns:a="http://schemas.openxmlformats.org/drawingml/2006/main" xmlns:r="http://schemas.openxmlformats.org/officeDocument/2006/relationships" xmlns:p="http://schemas.openxmlformats.org/presentationml/2006/main">
-  <p:cSld>
-    <p:spTree>
-      <p:nvGrpSpPr>
-        <p:cNvPr id="1" name=""/>
-        <p:cNvGrpSpPr/>
-        <p:nvPr/>
-      </p:nvGrpSpPr>
-      <p:grpSpPr>
-        <a:xfrm>
-          <a:off x="0" y="0"/>
-          <a:ext cx="0" cy="0"/>
-          <a:chOff x="0" y="0"/>
-          <a:chExt cx="0" cy="0"/>
-        </a:xfrm>
-      </p:grpSpPr>
-      <p:sp>
-        <p:nvSpPr>
-          <p:cNvPr id="2" name="Title 1"/>
-          <p:cNvSpPr>
-            <a:spLocks noGrp="1"/>
-          </p:cNvSpPr>
-          <p:nvPr>
-            <p:ph type="title"/>
-          </p:nvPr>
-        </p:nvSpPr>
-        <p:spPr/>
-        <p:txBody>
-          <a:bodyPr/>
-          <a:lstStyle/>
-          <a:p>
-            <a:r>
-              <a:rPr lang="en-CA" dirty="0" smtClean="0"/>
-              <a:t>Review</a:t>
-            </a:r>
-            <a:endParaRPr lang="en-CA" dirty="0"/>
-          </a:p>
-        </p:txBody>
-      </p:sp>
-      <p:sp>
-        <p:nvSpPr>
-          <p:cNvPr id="3" name="Content Placeholder 2"/>
-          <p:cNvSpPr>
-            <a:spLocks noGrp="1"/>
-          </p:cNvSpPr>
-          <p:nvPr>
-            <p:ph idx="1"/>
-          </p:nvPr>
-        </p:nvSpPr>
-        <p:spPr>
-          <a:xfrm>
-            <a:off x="838200" y="1825625"/>
-            <a:ext cx="5867400" cy="4351338"/>
-          </a:xfrm>
-        </p:spPr>
-        <p:txBody>
-          <a:bodyPr/>
-          <a:lstStyle/>
-          <a:p>
-            <a:r>
-              <a:rPr lang="en-CA" dirty="0" smtClean="0"/>
-              <a:t>Instances and attributes (features) are the input</a:t>
-            </a:r>
-          </a:p>
-          <a:p>
-            <a:r>
-              <a:rPr lang="en-CA" b="1" dirty="0" smtClean="0"/>
-              <a:t>The m</a:t>
-            </a:r>
-            <a:r>
-              <a:rPr lang="en-CA" b="1" dirty="0" smtClean="0"/>
-              <a:t>odel </a:t>
-            </a:r>
-            <a:r>
-              <a:rPr lang="en-CA" b="1" dirty="0" smtClean="0"/>
-              <a:t>produced by </a:t>
-            </a:r>
-            <a:r>
-              <a:rPr lang="en-CA" b="1" dirty="0" smtClean="0"/>
-              <a:t>the machine </a:t>
-            </a:r>
-            <a:r>
-              <a:rPr lang="en-CA" b="1" dirty="0" smtClean="0"/>
-              <a:t>learning algorithm is the output (concept)</a:t>
-            </a:r>
-          </a:p>
-          <a:p>
-            <a:r>
-              <a:rPr lang="en-CA" dirty="0" smtClean="0"/>
-              <a:t>Output of the model is the concept description</a:t>
-            </a:r>
-          </a:p>
-          <a:p>
-            <a:endParaRPr lang="en-CA" dirty="0"/>
-          </a:p>
-        </p:txBody>
-      </p:sp>
-      <p:pic>
-        <p:nvPicPr>
-          <p:cNvPr id="4" name="Picture 3"/>
-          <p:cNvPicPr>
-            <a:picLocks noChangeAspect="1"/>
-          </p:cNvPicPr>
-          <p:nvPr/>
-        </p:nvPicPr>
-        <p:blipFill>
-          <a:blip r:embed="rId2"/>
-          <a:stretch>
-            <a:fillRect/>
-          </a:stretch>
-        </p:blipFill>
-        <p:spPr>
-          <a:xfrm>
-            <a:off x="7506567" y="87312"/>
-            <a:ext cx="4581525" cy="3476625"/>
-          </a:xfrm>
-          <a:prstGeom prst="rect">
-            <a:avLst/>
-          </a:prstGeom>
-        </p:spPr>
-      </p:pic>
-      <p:pic>
-        <p:nvPicPr>
-          <p:cNvPr id="5" name="Picture 4"/>
-          <p:cNvPicPr>
-            <a:picLocks noChangeAspect="1"/>
-          </p:cNvPicPr>
-          <p:nvPr/>
-        </p:nvPicPr>
-        <p:blipFill>
-          <a:blip r:embed="rId3"/>
-          <a:stretch>
-            <a:fillRect/>
-          </a:stretch>
-        </p:blipFill>
-        <p:spPr>
-          <a:xfrm>
-            <a:off x="9002613" y="4031673"/>
-            <a:ext cx="3085479" cy="2507674"/>
-          </a:xfrm>
-          <a:prstGeom prst="rect">
-            <a:avLst/>
-          </a:prstGeom>
-        </p:spPr>
-      </p:pic>
-    </p:spTree>
-    <p:extLst>
-      <p:ext uri="{BB962C8B-B14F-4D97-AF65-F5344CB8AC3E}">
-        <p14:creationId xmlns:p14="http://schemas.microsoft.com/office/powerpoint/2010/main" val="2218332225"/>
-      </p:ext>
-    </p:extLst>
-  </p:cSld>
-  <p:clrMapOvr>
-    <a:masterClrMapping/>
-  </p:clrMapOvr>
-  <p:timing>
-    <p:tnLst>
-      <p:par>
-        <p:cTn id="1" dur="indefinite" restart="never" nodeType="tmRoot"/>
-      </p:par>
-    </p:tnLst>
-  </p:timing>
-</p:sld>
-</file>
-
-<file path=ppt/slides/slide20.xml><?xml version="1.0" encoding="utf-8"?>
+<file path=ppt/slides/slide19.xml><?xml version="1.0" encoding="utf-8"?>
 <p:sld xmlns:a="http://schemas.openxmlformats.org/drawingml/2006/main" xmlns:r="http://schemas.openxmlformats.org/officeDocument/2006/relationships" xmlns:p="http://schemas.openxmlformats.org/presentationml/2006/main">
   <p:cSld>
     <p:spTree>
@@ -7813,7 +7481,7 @@
 </p:sld>
 </file>
 
-<file path=ppt/slides/slide21.xml><?xml version="1.0" encoding="utf-8"?>
+<file path=ppt/slides/slide2.xml><?xml version="1.0" encoding="utf-8"?>
 <p:sld xmlns:a="http://schemas.openxmlformats.org/drawingml/2006/main" xmlns:r="http://schemas.openxmlformats.org/officeDocument/2006/relationships" xmlns:p="http://schemas.openxmlformats.org/presentationml/2006/main">
   <p:cSld>
     <p:spTree>
@@ -7847,7 +7515,1549 @@
           <a:p>
             <a:r>
               <a:rPr lang="en-CA" dirty="0" smtClean="0"/>
-              <a:t>Recap</a:t>
+              <a:t>Review</a:t>
+            </a:r>
+            <a:endParaRPr lang="en-CA" dirty="0"/>
+          </a:p>
+        </p:txBody>
+      </p:sp>
+      <p:sp>
+        <p:nvSpPr>
+          <p:cNvPr id="3" name="Content Placeholder 2"/>
+          <p:cNvSpPr>
+            <a:spLocks noGrp="1"/>
+          </p:cNvSpPr>
+          <p:nvPr>
+            <p:ph idx="1"/>
+          </p:nvPr>
+        </p:nvSpPr>
+        <p:spPr>
+          <a:xfrm>
+            <a:off x="838200" y="1825625"/>
+            <a:ext cx="5867400" cy="4351338"/>
+          </a:xfrm>
+        </p:spPr>
+        <p:txBody>
+          <a:bodyPr/>
+          <a:lstStyle/>
+          <a:p>
+            <a:r>
+              <a:rPr lang="en-CA" dirty="0" smtClean="0"/>
+              <a:t>Instances and attributes (features) are the input</a:t>
+            </a:r>
+          </a:p>
+          <a:p>
+            <a:r>
+              <a:rPr lang="en-CA" b="1" dirty="0" smtClean="0"/>
+              <a:t>The model produced by the machine learning algorithm is the output (concept)</a:t>
+            </a:r>
+          </a:p>
+          <a:p>
+            <a:r>
+              <a:rPr lang="en-CA" dirty="0" smtClean="0"/>
+              <a:t>Output of the model is the concept description</a:t>
+            </a:r>
+          </a:p>
+          <a:p>
+            <a:endParaRPr lang="en-CA" dirty="0"/>
+          </a:p>
+        </p:txBody>
+      </p:sp>
+      <p:pic>
+        <p:nvPicPr>
+          <p:cNvPr id="4" name="Picture 3"/>
+          <p:cNvPicPr>
+            <a:picLocks noChangeAspect="1"/>
+          </p:cNvPicPr>
+          <p:nvPr/>
+        </p:nvPicPr>
+        <p:blipFill>
+          <a:blip r:embed="rId2"/>
+          <a:stretch>
+            <a:fillRect/>
+          </a:stretch>
+        </p:blipFill>
+        <p:spPr>
+          <a:xfrm>
+            <a:off x="7506567" y="87312"/>
+            <a:ext cx="4581525" cy="3476625"/>
+          </a:xfrm>
+          <a:prstGeom prst="rect">
+            <a:avLst/>
+          </a:prstGeom>
+        </p:spPr>
+      </p:pic>
+      <p:pic>
+        <p:nvPicPr>
+          <p:cNvPr id="5" name="Picture 4"/>
+          <p:cNvPicPr>
+            <a:picLocks noChangeAspect="1"/>
+          </p:cNvPicPr>
+          <p:nvPr/>
+        </p:nvPicPr>
+        <p:blipFill>
+          <a:blip r:embed="rId3"/>
+          <a:stretch>
+            <a:fillRect/>
+          </a:stretch>
+        </p:blipFill>
+        <p:spPr>
+          <a:xfrm>
+            <a:off x="9002613" y="4031673"/>
+            <a:ext cx="3085479" cy="2507674"/>
+          </a:xfrm>
+          <a:prstGeom prst="rect">
+            <a:avLst/>
+          </a:prstGeom>
+        </p:spPr>
+      </p:pic>
+      <p:sp>
+        <p:nvSpPr>
+          <p:cNvPr id="6" name="TextBox 5"/>
+          <p:cNvSpPr txBox="1"/>
+          <p:nvPr/>
+        </p:nvSpPr>
+        <p:spPr>
+          <a:xfrm>
+            <a:off x="6580909" y="5777345"/>
+            <a:ext cx="2421704" cy="646331"/>
+          </a:xfrm>
+          <a:prstGeom prst="rect">
+            <a:avLst/>
+          </a:prstGeom>
+          <a:noFill/>
+        </p:spPr>
+        <p:txBody>
+          <a:bodyPr wrap="square" rtlCol="0">
+            <a:spAutoFit/>
+          </a:bodyPr>
+          <a:lstStyle/>
+          <a:p>
+            <a:r>
+              <a:rPr lang="en-CA" dirty="0" smtClean="0"/>
+              <a:t>An instance of an iris flower with 4 attributes</a:t>
+            </a:r>
+            <a:endParaRPr lang="en-CA" dirty="0"/>
+          </a:p>
+        </p:txBody>
+      </p:sp>
+    </p:spTree>
+    <p:extLst>
+      <p:ext uri="{BB962C8B-B14F-4D97-AF65-F5344CB8AC3E}">
+        <p14:creationId xmlns:p14="http://schemas.microsoft.com/office/powerpoint/2010/main" val="2218332225"/>
+      </p:ext>
+    </p:extLst>
+  </p:cSld>
+  <p:clrMapOvr>
+    <a:masterClrMapping/>
+  </p:clrMapOvr>
+  <p:timing>
+    <p:tnLst>
+      <p:par>
+        <p:cTn id="1" dur="indefinite" restart="never" nodeType="tmRoot"/>
+      </p:par>
+    </p:tnLst>
+  </p:timing>
+</p:sld>
+</file>
+
+<file path=ppt/slides/slide20.xml><?xml version="1.0" encoding="utf-8"?>
+<p:sld xmlns:a="http://schemas.openxmlformats.org/drawingml/2006/main" xmlns:r="http://schemas.openxmlformats.org/officeDocument/2006/relationships" xmlns:p="http://schemas.openxmlformats.org/presentationml/2006/main">
+  <p:cSld>
+    <p:spTree>
+      <p:nvGrpSpPr>
+        <p:cNvPr id="1" name=""/>
+        <p:cNvGrpSpPr/>
+        <p:nvPr/>
+      </p:nvGrpSpPr>
+      <p:grpSpPr>
+        <a:xfrm>
+          <a:off x="0" y="0"/>
+          <a:ext cx="0" cy="0"/>
+          <a:chOff x="0" y="0"/>
+          <a:chExt cx="0" cy="0"/>
+        </a:xfrm>
+      </p:grpSpPr>
+      <p:sp>
+        <p:nvSpPr>
+          <p:cNvPr id="2" name="Title 1"/>
+          <p:cNvSpPr>
+            <a:spLocks noGrp="1"/>
+          </p:cNvSpPr>
+          <p:nvPr>
+            <p:ph type="title"/>
+          </p:nvPr>
+        </p:nvSpPr>
+        <p:spPr/>
+        <p:txBody>
+          <a:bodyPr/>
+          <a:lstStyle/>
+          <a:p>
+            <a:r>
+              <a:rPr lang="en-CA" dirty="0" smtClean="0"/>
+              <a:t>3.5 Instance based representation</a:t>
+            </a:r>
+            <a:endParaRPr lang="en-CA" dirty="0"/>
+          </a:p>
+        </p:txBody>
+      </p:sp>
+      <p:sp>
+        <p:nvSpPr>
+          <p:cNvPr id="3" name="Content Placeholder 2"/>
+          <p:cNvSpPr>
+            <a:spLocks noGrp="1"/>
+          </p:cNvSpPr>
+          <p:nvPr>
+            <p:ph idx="1"/>
+          </p:nvPr>
+        </p:nvSpPr>
+        <p:spPr>
+          <a:xfrm>
+            <a:off x="838200" y="1690688"/>
+            <a:ext cx="9954491" cy="4488439"/>
+          </a:xfrm>
+        </p:spPr>
+        <p:txBody>
+          <a:bodyPr>
+            <a:normAutofit/>
+          </a:bodyPr>
+          <a:lstStyle/>
+          <a:p>
+            <a:r>
+              <a:rPr lang="en-CA" dirty="0" smtClean="0"/>
+              <a:t>Instead of creating rules, work directly from instances themselves</a:t>
+            </a:r>
+          </a:p>
+          <a:p>
+            <a:r>
+              <a:rPr lang="en-CA" dirty="0" smtClean="0"/>
+              <a:t>Store the set of training examples, and when we encounter a new instance, measure it against our stored examples using distance function</a:t>
+            </a:r>
+          </a:p>
+          <a:p>
+            <a:r>
+              <a:rPr lang="en-CA" dirty="0" smtClean="0"/>
+              <a:t>Eager vs lazy evaluation</a:t>
+            </a:r>
+          </a:p>
+          <a:p>
+            <a:r>
+              <a:rPr lang="en-CA" dirty="0" smtClean="0"/>
+              <a:t>K-nearest neighbour</a:t>
+            </a:r>
+          </a:p>
+          <a:p>
+            <a:r>
+              <a:rPr lang="en-CA" dirty="0" smtClean="0"/>
+              <a:t>Distance function (typically Euclidean, but what about nominal attributes)</a:t>
+            </a:r>
+          </a:p>
+          <a:p>
+            <a:r>
+              <a:rPr lang="en-CA" dirty="0" smtClean="0"/>
+              <a:t>Does not make explicit the structure that is learned</a:t>
+            </a:r>
+            <a:endParaRPr lang="en-CA" dirty="0"/>
+          </a:p>
+        </p:txBody>
+      </p:sp>
+    </p:spTree>
+    <p:extLst>
+      <p:ext uri="{BB962C8B-B14F-4D97-AF65-F5344CB8AC3E}">
+        <p14:creationId xmlns:p14="http://schemas.microsoft.com/office/powerpoint/2010/main" val="88291395"/>
+      </p:ext>
+    </p:extLst>
+  </p:cSld>
+  <p:clrMapOvr>
+    <a:masterClrMapping/>
+  </p:clrMapOvr>
+  <p:timing>
+    <p:tnLst>
+      <p:par>
+        <p:cTn id="1" dur="indefinite" restart="never" nodeType="tmRoot">
+          <p:childTnLst>
+            <p:seq concurrent="1" nextAc="seek">
+              <p:cTn id="2" dur="indefinite" nodeType="mainSeq">
+                <p:childTnLst>
+                  <p:par>
+                    <p:cTn id="3" fill="hold">
+                      <p:stCondLst>
+                        <p:cond delay="indefinite"/>
+                      </p:stCondLst>
+                      <p:childTnLst>
+                        <p:par>
+                          <p:cTn id="4" fill="hold">
+                            <p:stCondLst>
+                              <p:cond delay="0"/>
+                            </p:stCondLst>
+                            <p:childTnLst>
+                              <p:par>
+                                <p:cTn id="5" presetID="1" presetClass="entr" presetSubtype="0" fill="hold" grpId="0" nodeType="clickEffect">
+                                  <p:stCondLst>
+                                    <p:cond delay="0"/>
+                                  </p:stCondLst>
+                                  <p:childTnLst>
+                                    <p:set>
+                                      <p:cBhvr>
+                                        <p:cTn id="6" dur="1" fill="hold">
+                                          <p:stCondLst>
+                                            <p:cond delay="0"/>
+                                          </p:stCondLst>
+                                        </p:cTn>
+                                        <p:tgtEl>
+                                          <p:spTgt spid="3">
+                                            <p:txEl>
+                                              <p:pRg st="0" end="0"/>
+                                            </p:txEl>
+                                          </p:spTgt>
+                                        </p:tgtEl>
+                                        <p:attrNameLst>
+                                          <p:attrName>style.visibility</p:attrName>
+                                        </p:attrNameLst>
+                                      </p:cBhvr>
+                                      <p:to>
+                                        <p:strVal val="visible"/>
+                                      </p:to>
+                                    </p:set>
+                                  </p:childTnLst>
+                                </p:cTn>
+                              </p:par>
+                            </p:childTnLst>
+                          </p:cTn>
+                        </p:par>
+                      </p:childTnLst>
+                    </p:cTn>
+                  </p:par>
+                  <p:par>
+                    <p:cTn id="7" fill="hold">
+                      <p:stCondLst>
+                        <p:cond delay="indefinite"/>
+                      </p:stCondLst>
+                      <p:childTnLst>
+                        <p:par>
+                          <p:cTn id="8" fill="hold">
+                            <p:stCondLst>
+                              <p:cond delay="0"/>
+                            </p:stCondLst>
+                            <p:childTnLst>
+                              <p:par>
+                                <p:cTn id="9" presetID="1" presetClass="entr" presetSubtype="0" fill="hold" grpId="0" nodeType="clickEffect">
+                                  <p:stCondLst>
+                                    <p:cond delay="0"/>
+                                  </p:stCondLst>
+                                  <p:childTnLst>
+                                    <p:set>
+                                      <p:cBhvr>
+                                        <p:cTn id="10" dur="1" fill="hold">
+                                          <p:stCondLst>
+                                            <p:cond delay="0"/>
+                                          </p:stCondLst>
+                                        </p:cTn>
+                                        <p:tgtEl>
+                                          <p:spTgt spid="3">
+                                            <p:txEl>
+                                              <p:pRg st="1" end="1"/>
+                                            </p:txEl>
+                                          </p:spTgt>
+                                        </p:tgtEl>
+                                        <p:attrNameLst>
+                                          <p:attrName>style.visibility</p:attrName>
+                                        </p:attrNameLst>
+                                      </p:cBhvr>
+                                      <p:to>
+                                        <p:strVal val="visible"/>
+                                      </p:to>
+                                    </p:set>
+                                  </p:childTnLst>
+                                </p:cTn>
+                              </p:par>
+                            </p:childTnLst>
+                          </p:cTn>
+                        </p:par>
+                      </p:childTnLst>
+                    </p:cTn>
+                  </p:par>
+                  <p:par>
+                    <p:cTn id="11" fill="hold">
+                      <p:stCondLst>
+                        <p:cond delay="indefinite"/>
+                      </p:stCondLst>
+                      <p:childTnLst>
+                        <p:par>
+                          <p:cTn id="12" fill="hold">
+                            <p:stCondLst>
+                              <p:cond delay="0"/>
+                            </p:stCondLst>
+                            <p:childTnLst>
+                              <p:par>
+                                <p:cTn id="13" presetID="1" presetClass="entr" presetSubtype="0" fill="hold" grpId="0" nodeType="clickEffect">
+                                  <p:stCondLst>
+                                    <p:cond delay="0"/>
+                                  </p:stCondLst>
+                                  <p:childTnLst>
+                                    <p:set>
+                                      <p:cBhvr>
+                                        <p:cTn id="14" dur="1" fill="hold">
+                                          <p:stCondLst>
+                                            <p:cond delay="0"/>
+                                          </p:stCondLst>
+                                        </p:cTn>
+                                        <p:tgtEl>
+                                          <p:spTgt spid="3">
+                                            <p:txEl>
+                                              <p:pRg st="2" end="2"/>
+                                            </p:txEl>
+                                          </p:spTgt>
+                                        </p:tgtEl>
+                                        <p:attrNameLst>
+                                          <p:attrName>style.visibility</p:attrName>
+                                        </p:attrNameLst>
+                                      </p:cBhvr>
+                                      <p:to>
+                                        <p:strVal val="visible"/>
+                                      </p:to>
+                                    </p:set>
+                                  </p:childTnLst>
+                                </p:cTn>
+                              </p:par>
+                            </p:childTnLst>
+                          </p:cTn>
+                        </p:par>
+                      </p:childTnLst>
+                    </p:cTn>
+                  </p:par>
+                  <p:par>
+                    <p:cTn id="15" fill="hold">
+                      <p:stCondLst>
+                        <p:cond delay="indefinite"/>
+                      </p:stCondLst>
+                      <p:childTnLst>
+                        <p:par>
+                          <p:cTn id="16" fill="hold">
+                            <p:stCondLst>
+                              <p:cond delay="0"/>
+                            </p:stCondLst>
+                            <p:childTnLst>
+                              <p:par>
+                                <p:cTn id="17" presetID="1" presetClass="entr" presetSubtype="0" fill="hold" grpId="0" nodeType="clickEffect">
+                                  <p:stCondLst>
+                                    <p:cond delay="0"/>
+                                  </p:stCondLst>
+                                  <p:childTnLst>
+                                    <p:set>
+                                      <p:cBhvr>
+                                        <p:cTn id="18" dur="1" fill="hold">
+                                          <p:stCondLst>
+                                            <p:cond delay="0"/>
+                                          </p:stCondLst>
+                                        </p:cTn>
+                                        <p:tgtEl>
+                                          <p:spTgt spid="3">
+                                            <p:txEl>
+                                              <p:pRg st="3" end="3"/>
+                                            </p:txEl>
+                                          </p:spTgt>
+                                        </p:tgtEl>
+                                        <p:attrNameLst>
+                                          <p:attrName>style.visibility</p:attrName>
+                                        </p:attrNameLst>
+                                      </p:cBhvr>
+                                      <p:to>
+                                        <p:strVal val="visible"/>
+                                      </p:to>
+                                    </p:set>
+                                  </p:childTnLst>
+                                </p:cTn>
+                              </p:par>
+                            </p:childTnLst>
+                          </p:cTn>
+                        </p:par>
+                      </p:childTnLst>
+                    </p:cTn>
+                  </p:par>
+                  <p:par>
+                    <p:cTn id="19" fill="hold">
+                      <p:stCondLst>
+                        <p:cond delay="indefinite"/>
+                      </p:stCondLst>
+                      <p:childTnLst>
+                        <p:par>
+                          <p:cTn id="20" fill="hold">
+                            <p:stCondLst>
+                              <p:cond delay="0"/>
+                            </p:stCondLst>
+                            <p:childTnLst>
+                              <p:par>
+                                <p:cTn id="21" presetID="1" presetClass="entr" presetSubtype="0" fill="hold" grpId="0" nodeType="clickEffect">
+                                  <p:stCondLst>
+                                    <p:cond delay="0"/>
+                                  </p:stCondLst>
+                                  <p:childTnLst>
+                                    <p:set>
+                                      <p:cBhvr>
+                                        <p:cTn id="22" dur="1" fill="hold">
+                                          <p:stCondLst>
+                                            <p:cond delay="0"/>
+                                          </p:stCondLst>
+                                        </p:cTn>
+                                        <p:tgtEl>
+                                          <p:spTgt spid="3">
+                                            <p:txEl>
+                                              <p:pRg st="4" end="4"/>
+                                            </p:txEl>
+                                          </p:spTgt>
+                                        </p:tgtEl>
+                                        <p:attrNameLst>
+                                          <p:attrName>style.visibility</p:attrName>
+                                        </p:attrNameLst>
+                                      </p:cBhvr>
+                                      <p:to>
+                                        <p:strVal val="visible"/>
+                                      </p:to>
+                                    </p:set>
+                                  </p:childTnLst>
+                                </p:cTn>
+                              </p:par>
+                            </p:childTnLst>
+                          </p:cTn>
+                        </p:par>
+                      </p:childTnLst>
+                    </p:cTn>
+                  </p:par>
+                  <p:par>
+                    <p:cTn id="23" fill="hold">
+                      <p:stCondLst>
+                        <p:cond delay="indefinite"/>
+                      </p:stCondLst>
+                      <p:childTnLst>
+                        <p:par>
+                          <p:cTn id="24" fill="hold">
+                            <p:stCondLst>
+                              <p:cond delay="0"/>
+                            </p:stCondLst>
+                            <p:childTnLst>
+                              <p:par>
+                                <p:cTn id="25" presetID="1" presetClass="entr" presetSubtype="0" fill="hold" grpId="0" nodeType="clickEffect">
+                                  <p:stCondLst>
+                                    <p:cond delay="0"/>
+                                  </p:stCondLst>
+                                  <p:childTnLst>
+                                    <p:set>
+                                      <p:cBhvr>
+                                        <p:cTn id="26" dur="1" fill="hold">
+                                          <p:stCondLst>
+                                            <p:cond delay="0"/>
+                                          </p:stCondLst>
+                                        </p:cTn>
+                                        <p:tgtEl>
+                                          <p:spTgt spid="3">
+                                            <p:txEl>
+                                              <p:pRg st="5" end="5"/>
+                                            </p:txEl>
+                                          </p:spTgt>
+                                        </p:tgtEl>
+                                        <p:attrNameLst>
+                                          <p:attrName>style.visibility</p:attrName>
+                                        </p:attrNameLst>
+                                      </p:cBhvr>
+                                      <p:to>
+                                        <p:strVal val="visible"/>
+                                      </p:to>
+                                    </p:set>
+                                  </p:childTnLst>
+                                </p:cTn>
+                              </p:par>
+                            </p:childTnLst>
+                          </p:cTn>
+                        </p:par>
+                      </p:childTnLst>
+                    </p:cTn>
+                  </p:par>
+                </p:childTnLst>
+              </p:cTn>
+              <p:prevCondLst>
+                <p:cond evt="onPrev" delay="0">
+                  <p:tgtEl>
+                    <p:sldTgt/>
+                  </p:tgtEl>
+                </p:cond>
+              </p:prevCondLst>
+              <p:nextCondLst>
+                <p:cond evt="onNext" delay="0">
+                  <p:tgtEl>
+                    <p:sldTgt/>
+                  </p:tgtEl>
+                </p:cond>
+              </p:nextCondLst>
+            </p:seq>
+          </p:childTnLst>
+        </p:cTn>
+      </p:par>
+    </p:tnLst>
+    <p:bldLst>
+      <p:bldP spid="3" grpId="0" build="p"/>
+    </p:bldLst>
+  </p:timing>
+</p:sld>
+</file>
+
+<file path=ppt/slides/slide21.xml><?xml version="1.0" encoding="utf-8"?>
+<p:sld xmlns:a="http://schemas.openxmlformats.org/drawingml/2006/main" xmlns:r="http://schemas.openxmlformats.org/officeDocument/2006/relationships" xmlns:p="http://schemas.openxmlformats.org/presentationml/2006/main">
+  <p:cSld>
+    <p:spTree>
+      <p:nvGrpSpPr>
+        <p:cNvPr id="1" name=""/>
+        <p:cNvGrpSpPr/>
+        <p:nvPr/>
+      </p:nvGrpSpPr>
+      <p:grpSpPr>
+        <a:xfrm>
+          <a:off x="0" y="0"/>
+          <a:ext cx="0" cy="0"/>
+          <a:chOff x="0" y="0"/>
+          <a:chExt cx="0" cy="0"/>
+        </a:xfrm>
+      </p:grpSpPr>
+      <p:sp>
+        <p:nvSpPr>
+          <p:cNvPr id="2" name="Title 1"/>
+          <p:cNvSpPr>
+            <a:spLocks noGrp="1"/>
+          </p:cNvSpPr>
+          <p:nvPr>
+            <p:ph type="title"/>
+          </p:nvPr>
+        </p:nvSpPr>
+        <p:spPr>
+          <a:xfrm>
+            <a:off x="741218" y="0"/>
+            <a:ext cx="10515600" cy="956397"/>
+          </a:xfrm>
+        </p:spPr>
+        <p:txBody>
+          <a:bodyPr/>
+          <a:lstStyle/>
+          <a:p>
+            <a:r>
+              <a:rPr lang="en-CA" dirty="0" smtClean="0"/>
+              <a:t>Implicit knowledge representation</a:t>
+            </a:r>
+            <a:endParaRPr lang="en-CA" dirty="0"/>
+          </a:p>
+        </p:txBody>
+      </p:sp>
+      <p:sp>
+        <p:nvSpPr>
+          <p:cNvPr id="3" name="Content Placeholder 2"/>
+          <p:cNvSpPr>
+            <a:spLocks noGrp="1"/>
+          </p:cNvSpPr>
+          <p:nvPr>
+            <p:ph idx="1"/>
+          </p:nvPr>
+        </p:nvSpPr>
+        <p:spPr>
+          <a:xfrm>
+            <a:off x="838200" y="956397"/>
+            <a:ext cx="10515600" cy="2604221"/>
+          </a:xfrm>
+        </p:spPr>
+        <p:txBody>
+          <a:bodyPr>
+            <a:normAutofit fontScale="62500" lnSpcReduction="20000"/>
+          </a:bodyPr>
+          <a:lstStyle/>
+          <a:p>
+            <a:r>
+              <a:rPr lang="en-CA" dirty="0" smtClean="0"/>
+              <a:t>Instances combined with distance metric carve out boundaries in instance space, distinguishing one class from another (output is implicit)</a:t>
+            </a:r>
+          </a:p>
+          <a:p>
+            <a:pPr lvl="1"/>
+            <a:r>
+              <a:rPr lang="en-CA" dirty="0" smtClean="0"/>
+              <a:t>Simplest case: two instances, one of each class. Nearest neighbour rule splits instance space along perpendicular bisector of line joining two instances</a:t>
+            </a:r>
+          </a:p>
+          <a:p>
+            <a:r>
+              <a:rPr lang="en-CA" dirty="0" smtClean="0"/>
+              <a:t>Given several instances of each class, space is divided by a set of lines representing perpendicular bisectors of selected lines joining an instance of one class to one of another class (A)</a:t>
+            </a:r>
+          </a:p>
+          <a:p>
+            <a:r>
+              <a:rPr lang="en-CA" dirty="0" smtClean="0"/>
+              <a:t>Examples outside this decision boundary can be discarded (B)</a:t>
+            </a:r>
+          </a:p>
+          <a:p>
+            <a:r>
+              <a:rPr lang="en-CA" dirty="0" smtClean="0"/>
+              <a:t>Can explicitly generalize the instances by creating rectangular regions enclosing class (C)</a:t>
+            </a:r>
+          </a:p>
+          <a:p>
+            <a:pPr lvl="1"/>
+            <a:r>
+              <a:rPr lang="en-CA" dirty="0" smtClean="0"/>
+              <a:t>Similar to rules that test a numeric variable against an upper and lower bound</a:t>
+            </a:r>
+          </a:p>
+          <a:p>
+            <a:r>
+              <a:rPr lang="en-CA" dirty="0" smtClean="0"/>
+              <a:t>Nested regions (region all one class contains sub-region of different class), similar to exceptions (D)</a:t>
+            </a:r>
+          </a:p>
+          <a:p>
+            <a:endParaRPr lang="en-CA" dirty="0" smtClean="0"/>
+          </a:p>
+          <a:p>
+            <a:endParaRPr lang="en-CA" dirty="0"/>
+          </a:p>
+        </p:txBody>
+      </p:sp>
+      <p:pic>
+        <p:nvPicPr>
+          <p:cNvPr id="4" name="Picture 3"/>
+          <p:cNvPicPr>
+            <a:picLocks noChangeAspect="1"/>
+          </p:cNvPicPr>
+          <p:nvPr/>
+        </p:nvPicPr>
+        <p:blipFill>
+          <a:blip r:embed="rId2"/>
+          <a:stretch>
+            <a:fillRect/>
+          </a:stretch>
+        </p:blipFill>
+        <p:spPr>
+          <a:xfrm>
+            <a:off x="171450" y="3895725"/>
+            <a:ext cx="11849100" cy="2962275"/>
+          </a:xfrm>
+          <a:prstGeom prst="rect">
+            <a:avLst/>
+          </a:prstGeom>
+        </p:spPr>
+      </p:pic>
+    </p:spTree>
+    <p:extLst>
+      <p:ext uri="{BB962C8B-B14F-4D97-AF65-F5344CB8AC3E}">
+        <p14:creationId xmlns:p14="http://schemas.microsoft.com/office/powerpoint/2010/main" val="3379720186"/>
+      </p:ext>
+    </p:extLst>
+  </p:cSld>
+  <p:clrMapOvr>
+    <a:masterClrMapping/>
+  </p:clrMapOvr>
+  <p:timing>
+    <p:tnLst>
+      <p:par>
+        <p:cTn id="1" dur="indefinite" restart="never" nodeType="tmRoot">
+          <p:childTnLst>
+            <p:seq concurrent="1" nextAc="seek">
+              <p:cTn id="2" dur="indefinite" nodeType="mainSeq">
+                <p:childTnLst>
+                  <p:par>
+                    <p:cTn id="3" fill="hold">
+                      <p:stCondLst>
+                        <p:cond delay="indefinite"/>
+                      </p:stCondLst>
+                      <p:childTnLst>
+                        <p:par>
+                          <p:cTn id="4" fill="hold">
+                            <p:stCondLst>
+                              <p:cond delay="0"/>
+                            </p:stCondLst>
+                            <p:childTnLst>
+                              <p:par>
+                                <p:cTn id="5" presetID="1" presetClass="entr" presetSubtype="0" fill="hold" grpId="0" nodeType="clickEffect">
+                                  <p:stCondLst>
+                                    <p:cond delay="0"/>
+                                  </p:stCondLst>
+                                  <p:childTnLst>
+                                    <p:set>
+                                      <p:cBhvr>
+                                        <p:cTn id="6" dur="1" fill="hold">
+                                          <p:stCondLst>
+                                            <p:cond delay="0"/>
+                                          </p:stCondLst>
+                                        </p:cTn>
+                                        <p:tgtEl>
+                                          <p:spTgt spid="3">
+                                            <p:txEl>
+                                              <p:pRg st="0" end="0"/>
+                                            </p:txEl>
+                                          </p:spTgt>
+                                        </p:tgtEl>
+                                        <p:attrNameLst>
+                                          <p:attrName>style.visibility</p:attrName>
+                                        </p:attrNameLst>
+                                      </p:cBhvr>
+                                      <p:to>
+                                        <p:strVal val="visible"/>
+                                      </p:to>
+                                    </p:set>
+                                  </p:childTnLst>
+                                </p:cTn>
+                              </p:par>
+                              <p:par>
+                                <p:cTn id="7" presetID="1" presetClass="entr" presetSubtype="0" fill="hold" grpId="0" nodeType="withEffect">
+                                  <p:stCondLst>
+                                    <p:cond delay="0"/>
+                                  </p:stCondLst>
+                                  <p:childTnLst>
+                                    <p:set>
+                                      <p:cBhvr>
+                                        <p:cTn id="8" dur="1" fill="hold">
+                                          <p:stCondLst>
+                                            <p:cond delay="0"/>
+                                          </p:stCondLst>
+                                        </p:cTn>
+                                        <p:tgtEl>
+                                          <p:spTgt spid="3">
+                                            <p:txEl>
+                                              <p:pRg st="1" end="1"/>
+                                            </p:txEl>
+                                          </p:spTgt>
+                                        </p:tgtEl>
+                                        <p:attrNameLst>
+                                          <p:attrName>style.visibility</p:attrName>
+                                        </p:attrNameLst>
+                                      </p:cBhvr>
+                                      <p:to>
+                                        <p:strVal val="visible"/>
+                                      </p:to>
+                                    </p:set>
+                                  </p:childTnLst>
+                                </p:cTn>
+                              </p:par>
+                            </p:childTnLst>
+                          </p:cTn>
+                        </p:par>
+                      </p:childTnLst>
+                    </p:cTn>
+                  </p:par>
+                  <p:par>
+                    <p:cTn id="9" fill="hold">
+                      <p:stCondLst>
+                        <p:cond delay="indefinite"/>
+                      </p:stCondLst>
+                      <p:childTnLst>
+                        <p:par>
+                          <p:cTn id="10" fill="hold">
+                            <p:stCondLst>
+                              <p:cond delay="0"/>
+                            </p:stCondLst>
+                            <p:childTnLst>
+                              <p:par>
+                                <p:cTn id="11" presetID="1" presetClass="entr" presetSubtype="0" fill="hold" grpId="0" nodeType="clickEffect">
+                                  <p:stCondLst>
+                                    <p:cond delay="0"/>
+                                  </p:stCondLst>
+                                  <p:childTnLst>
+                                    <p:set>
+                                      <p:cBhvr>
+                                        <p:cTn id="12" dur="1" fill="hold">
+                                          <p:stCondLst>
+                                            <p:cond delay="0"/>
+                                          </p:stCondLst>
+                                        </p:cTn>
+                                        <p:tgtEl>
+                                          <p:spTgt spid="3">
+                                            <p:txEl>
+                                              <p:pRg st="2" end="2"/>
+                                            </p:txEl>
+                                          </p:spTgt>
+                                        </p:tgtEl>
+                                        <p:attrNameLst>
+                                          <p:attrName>style.visibility</p:attrName>
+                                        </p:attrNameLst>
+                                      </p:cBhvr>
+                                      <p:to>
+                                        <p:strVal val="visible"/>
+                                      </p:to>
+                                    </p:set>
+                                  </p:childTnLst>
+                                </p:cTn>
+                              </p:par>
+                            </p:childTnLst>
+                          </p:cTn>
+                        </p:par>
+                      </p:childTnLst>
+                    </p:cTn>
+                  </p:par>
+                  <p:par>
+                    <p:cTn id="13" fill="hold">
+                      <p:stCondLst>
+                        <p:cond delay="indefinite"/>
+                      </p:stCondLst>
+                      <p:childTnLst>
+                        <p:par>
+                          <p:cTn id="14" fill="hold">
+                            <p:stCondLst>
+                              <p:cond delay="0"/>
+                            </p:stCondLst>
+                            <p:childTnLst>
+                              <p:par>
+                                <p:cTn id="15" presetID="1" presetClass="entr" presetSubtype="0" fill="hold" grpId="0" nodeType="clickEffect">
+                                  <p:stCondLst>
+                                    <p:cond delay="0"/>
+                                  </p:stCondLst>
+                                  <p:childTnLst>
+                                    <p:set>
+                                      <p:cBhvr>
+                                        <p:cTn id="16" dur="1" fill="hold">
+                                          <p:stCondLst>
+                                            <p:cond delay="0"/>
+                                          </p:stCondLst>
+                                        </p:cTn>
+                                        <p:tgtEl>
+                                          <p:spTgt spid="3">
+                                            <p:txEl>
+                                              <p:pRg st="3" end="3"/>
+                                            </p:txEl>
+                                          </p:spTgt>
+                                        </p:tgtEl>
+                                        <p:attrNameLst>
+                                          <p:attrName>style.visibility</p:attrName>
+                                        </p:attrNameLst>
+                                      </p:cBhvr>
+                                      <p:to>
+                                        <p:strVal val="visible"/>
+                                      </p:to>
+                                    </p:set>
+                                  </p:childTnLst>
+                                </p:cTn>
+                              </p:par>
+                            </p:childTnLst>
+                          </p:cTn>
+                        </p:par>
+                      </p:childTnLst>
+                    </p:cTn>
+                  </p:par>
+                  <p:par>
+                    <p:cTn id="17" fill="hold">
+                      <p:stCondLst>
+                        <p:cond delay="indefinite"/>
+                      </p:stCondLst>
+                      <p:childTnLst>
+                        <p:par>
+                          <p:cTn id="18" fill="hold">
+                            <p:stCondLst>
+                              <p:cond delay="0"/>
+                            </p:stCondLst>
+                            <p:childTnLst>
+                              <p:par>
+                                <p:cTn id="19" presetID="1" presetClass="entr" presetSubtype="0" fill="hold" grpId="0" nodeType="clickEffect">
+                                  <p:stCondLst>
+                                    <p:cond delay="0"/>
+                                  </p:stCondLst>
+                                  <p:childTnLst>
+                                    <p:set>
+                                      <p:cBhvr>
+                                        <p:cTn id="20" dur="1" fill="hold">
+                                          <p:stCondLst>
+                                            <p:cond delay="0"/>
+                                          </p:stCondLst>
+                                        </p:cTn>
+                                        <p:tgtEl>
+                                          <p:spTgt spid="3">
+                                            <p:txEl>
+                                              <p:pRg st="4" end="4"/>
+                                            </p:txEl>
+                                          </p:spTgt>
+                                        </p:tgtEl>
+                                        <p:attrNameLst>
+                                          <p:attrName>style.visibility</p:attrName>
+                                        </p:attrNameLst>
+                                      </p:cBhvr>
+                                      <p:to>
+                                        <p:strVal val="visible"/>
+                                      </p:to>
+                                    </p:set>
+                                  </p:childTnLst>
+                                </p:cTn>
+                              </p:par>
+                              <p:par>
+                                <p:cTn id="21" presetID="1" presetClass="entr" presetSubtype="0" fill="hold" grpId="0" nodeType="withEffect">
+                                  <p:stCondLst>
+                                    <p:cond delay="0"/>
+                                  </p:stCondLst>
+                                  <p:childTnLst>
+                                    <p:set>
+                                      <p:cBhvr>
+                                        <p:cTn id="22" dur="1" fill="hold">
+                                          <p:stCondLst>
+                                            <p:cond delay="0"/>
+                                          </p:stCondLst>
+                                        </p:cTn>
+                                        <p:tgtEl>
+                                          <p:spTgt spid="3">
+                                            <p:txEl>
+                                              <p:pRg st="5" end="5"/>
+                                            </p:txEl>
+                                          </p:spTgt>
+                                        </p:tgtEl>
+                                        <p:attrNameLst>
+                                          <p:attrName>style.visibility</p:attrName>
+                                        </p:attrNameLst>
+                                      </p:cBhvr>
+                                      <p:to>
+                                        <p:strVal val="visible"/>
+                                      </p:to>
+                                    </p:set>
+                                  </p:childTnLst>
+                                </p:cTn>
+                              </p:par>
+                            </p:childTnLst>
+                          </p:cTn>
+                        </p:par>
+                      </p:childTnLst>
+                    </p:cTn>
+                  </p:par>
+                  <p:par>
+                    <p:cTn id="23" fill="hold">
+                      <p:stCondLst>
+                        <p:cond delay="indefinite"/>
+                      </p:stCondLst>
+                      <p:childTnLst>
+                        <p:par>
+                          <p:cTn id="24" fill="hold">
+                            <p:stCondLst>
+                              <p:cond delay="0"/>
+                            </p:stCondLst>
+                            <p:childTnLst>
+                              <p:par>
+                                <p:cTn id="25" presetID="1" presetClass="entr" presetSubtype="0" fill="hold" grpId="0" nodeType="clickEffect">
+                                  <p:stCondLst>
+                                    <p:cond delay="0"/>
+                                  </p:stCondLst>
+                                  <p:childTnLst>
+                                    <p:set>
+                                      <p:cBhvr>
+                                        <p:cTn id="26" dur="1" fill="hold">
+                                          <p:stCondLst>
+                                            <p:cond delay="0"/>
+                                          </p:stCondLst>
+                                        </p:cTn>
+                                        <p:tgtEl>
+                                          <p:spTgt spid="3">
+                                            <p:txEl>
+                                              <p:pRg st="6" end="6"/>
+                                            </p:txEl>
+                                          </p:spTgt>
+                                        </p:tgtEl>
+                                        <p:attrNameLst>
+                                          <p:attrName>style.visibility</p:attrName>
+                                        </p:attrNameLst>
+                                      </p:cBhvr>
+                                      <p:to>
+                                        <p:strVal val="visible"/>
+                                      </p:to>
+                                    </p:set>
+                                  </p:childTnLst>
+                                </p:cTn>
+                              </p:par>
+                            </p:childTnLst>
+                          </p:cTn>
+                        </p:par>
+                      </p:childTnLst>
+                    </p:cTn>
+                  </p:par>
+                </p:childTnLst>
+              </p:cTn>
+              <p:prevCondLst>
+                <p:cond evt="onPrev" delay="0">
+                  <p:tgtEl>
+                    <p:sldTgt/>
+                  </p:tgtEl>
+                </p:cond>
+              </p:prevCondLst>
+              <p:nextCondLst>
+                <p:cond evt="onNext" delay="0">
+                  <p:tgtEl>
+                    <p:sldTgt/>
+                  </p:tgtEl>
+                </p:cond>
+              </p:nextCondLst>
+            </p:seq>
+          </p:childTnLst>
+        </p:cTn>
+      </p:par>
+    </p:tnLst>
+    <p:bldLst>
+      <p:bldP spid="3" grpId="0" build="p"/>
+    </p:bldLst>
+  </p:timing>
+</p:sld>
+</file>
+
+<file path=ppt/slides/slide22.xml><?xml version="1.0" encoding="utf-8"?>
+<p:sld xmlns:a="http://schemas.openxmlformats.org/drawingml/2006/main" xmlns:r="http://schemas.openxmlformats.org/officeDocument/2006/relationships" xmlns:p="http://schemas.openxmlformats.org/presentationml/2006/main">
+  <p:cSld>
+    <p:spTree>
+      <p:nvGrpSpPr>
+        <p:cNvPr id="1" name=""/>
+        <p:cNvGrpSpPr/>
+        <p:nvPr/>
+      </p:nvGrpSpPr>
+      <p:grpSpPr>
+        <a:xfrm>
+          <a:off x="0" y="0"/>
+          <a:ext cx="0" cy="0"/>
+          <a:chOff x="0" y="0"/>
+          <a:chExt cx="0" cy="0"/>
+        </a:xfrm>
+      </p:grpSpPr>
+      <p:sp>
+        <p:nvSpPr>
+          <p:cNvPr id="2" name="Title 1"/>
+          <p:cNvSpPr>
+            <a:spLocks noGrp="1"/>
+          </p:cNvSpPr>
+          <p:nvPr>
+            <p:ph type="title"/>
+          </p:nvPr>
+        </p:nvSpPr>
+        <p:spPr>
+          <a:xfrm>
+            <a:off x="0" y="0"/>
+            <a:ext cx="10515600" cy="798657"/>
+          </a:xfrm>
+        </p:spPr>
+        <p:txBody>
+          <a:bodyPr/>
+          <a:lstStyle/>
+          <a:p>
+            <a:r>
+              <a:rPr lang="en-CA" dirty="0" smtClean="0"/>
+              <a:t>3.6 clusters</a:t>
+            </a:r>
+            <a:endParaRPr lang="en-CA" dirty="0"/>
+          </a:p>
+        </p:txBody>
+      </p:sp>
+      <p:sp>
+        <p:nvSpPr>
+          <p:cNvPr id="3" name="Content Placeholder 2"/>
+          <p:cNvSpPr>
+            <a:spLocks noGrp="1"/>
+          </p:cNvSpPr>
+          <p:nvPr>
+            <p:ph idx="1"/>
+          </p:nvPr>
+        </p:nvSpPr>
+        <p:spPr>
+          <a:xfrm>
+            <a:off x="540327" y="798658"/>
+            <a:ext cx="11430000" cy="2540288"/>
+          </a:xfrm>
+        </p:spPr>
+        <p:txBody>
+          <a:bodyPr>
+            <a:normAutofit fontScale="70000" lnSpcReduction="20000"/>
+          </a:bodyPr>
+          <a:lstStyle/>
+          <a:p>
+            <a:r>
+              <a:rPr lang="en-CA" dirty="0" smtClean="0"/>
+              <a:t>When clusters rather than a classifier is learned, output takes the form of a diagram showing which clusters a given instance belongs to (A)</a:t>
+            </a:r>
+          </a:p>
+          <a:p>
+            <a:r>
+              <a:rPr lang="en-CA" dirty="0" smtClean="0"/>
+              <a:t>Some algorithms allow one instance to belong to more than one cluster, so we can draw overlapping subsets representing each cluster (B)</a:t>
+            </a:r>
+          </a:p>
+          <a:p>
+            <a:r>
+              <a:rPr lang="en-CA" dirty="0" smtClean="0"/>
+              <a:t>Some algorithms associate instances with clusters probabilistically, so the output is a set of probabilities for each instance (C)</a:t>
+            </a:r>
+          </a:p>
+          <a:p>
+            <a:r>
+              <a:rPr lang="en-CA" dirty="0" smtClean="0"/>
+              <a:t>Some algorithms produce a hierarchical structure of clusters, where instance space is divided into fewer clusters at top level, each of which divides into </a:t>
+            </a:r>
+            <a:r>
+              <a:rPr lang="en-CA" dirty="0" err="1" smtClean="0"/>
+              <a:t>subclusters</a:t>
+            </a:r>
+            <a:r>
+              <a:rPr lang="en-CA" dirty="0" smtClean="0"/>
+              <a:t>, etc. (D) </a:t>
+            </a:r>
+          </a:p>
+          <a:p>
+            <a:r>
+              <a:rPr lang="en-CA" dirty="0" smtClean="0"/>
+              <a:t>Clustering is often used to find classes in unlabeled data, and then run the decision tree/rule generator</a:t>
+            </a:r>
+          </a:p>
+          <a:p>
+            <a:endParaRPr lang="en-CA" dirty="0" smtClean="0"/>
+          </a:p>
+          <a:p>
+            <a:endParaRPr lang="en-CA" dirty="0"/>
+          </a:p>
+        </p:txBody>
+      </p:sp>
+      <p:pic>
+        <p:nvPicPr>
+          <p:cNvPr id="5" name="Picture 4"/>
+          <p:cNvPicPr>
+            <a:picLocks noChangeAspect="1"/>
+          </p:cNvPicPr>
+          <p:nvPr/>
+        </p:nvPicPr>
+        <p:blipFill>
+          <a:blip r:embed="rId2"/>
+          <a:stretch>
+            <a:fillRect/>
+          </a:stretch>
+        </p:blipFill>
+        <p:spPr>
+          <a:xfrm>
+            <a:off x="838200" y="3670394"/>
+            <a:ext cx="10735541" cy="3187606"/>
+          </a:xfrm>
+          <a:prstGeom prst="rect">
+            <a:avLst/>
+          </a:prstGeom>
+        </p:spPr>
+      </p:pic>
+    </p:spTree>
+    <p:extLst>
+      <p:ext uri="{BB962C8B-B14F-4D97-AF65-F5344CB8AC3E}">
+        <p14:creationId xmlns:p14="http://schemas.microsoft.com/office/powerpoint/2010/main" val="1571078968"/>
+      </p:ext>
+    </p:extLst>
+  </p:cSld>
+  <p:clrMapOvr>
+    <a:masterClrMapping/>
+  </p:clrMapOvr>
+  <p:timing>
+    <p:tnLst>
+      <p:par>
+        <p:cTn id="1" dur="indefinite" restart="never" nodeType="tmRoot">
+          <p:childTnLst>
+            <p:seq concurrent="1" nextAc="seek">
+              <p:cTn id="2" dur="indefinite" nodeType="mainSeq">
+                <p:childTnLst>
+                  <p:par>
+                    <p:cTn id="3" fill="hold">
+                      <p:stCondLst>
+                        <p:cond delay="indefinite"/>
+                      </p:stCondLst>
+                      <p:childTnLst>
+                        <p:par>
+                          <p:cTn id="4" fill="hold">
+                            <p:stCondLst>
+                              <p:cond delay="0"/>
+                            </p:stCondLst>
+                            <p:childTnLst>
+                              <p:par>
+                                <p:cTn id="5" presetID="1" presetClass="entr" presetSubtype="0" fill="hold" grpId="0" nodeType="clickEffect">
+                                  <p:stCondLst>
+                                    <p:cond delay="0"/>
+                                  </p:stCondLst>
+                                  <p:childTnLst>
+                                    <p:set>
+                                      <p:cBhvr>
+                                        <p:cTn id="6" dur="1" fill="hold">
+                                          <p:stCondLst>
+                                            <p:cond delay="0"/>
+                                          </p:stCondLst>
+                                        </p:cTn>
+                                        <p:tgtEl>
+                                          <p:spTgt spid="3">
+                                            <p:txEl>
+                                              <p:pRg st="0" end="0"/>
+                                            </p:txEl>
+                                          </p:spTgt>
+                                        </p:tgtEl>
+                                        <p:attrNameLst>
+                                          <p:attrName>style.visibility</p:attrName>
+                                        </p:attrNameLst>
+                                      </p:cBhvr>
+                                      <p:to>
+                                        <p:strVal val="visible"/>
+                                      </p:to>
+                                    </p:set>
+                                  </p:childTnLst>
+                                </p:cTn>
+                              </p:par>
+                            </p:childTnLst>
+                          </p:cTn>
+                        </p:par>
+                      </p:childTnLst>
+                    </p:cTn>
+                  </p:par>
+                  <p:par>
+                    <p:cTn id="7" fill="hold">
+                      <p:stCondLst>
+                        <p:cond delay="indefinite"/>
+                      </p:stCondLst>
+                      <p:childTnLst>
+                        <p:par>
+                          <p:cTn id="8" fill="hold">
+                            <p:stCondLst>
+                              <p:cond delay="0"/>
+                            </p:stCondLst>
+                            <p:childTnLst>
+                              <p:par>
+                                <p:cTn id="9" presetID="1" presetClass="entr" presetSubtype="0" fill="hold" grpId="0" nodeType="clickEffect">
+                                  <p:stCondLst>
+                                    <p:cond delay="0"/>
+                                  </p:stCondLst>
+                                  <p:childTnLst>
+                                    <p:set>
+                                      <p:cBhvr>
+                                        <p:cTn id="10" dur="1" fill="hold">
+                                          <p:stCondLst>
+                                            <p:cond delay="0"/>
+                                          </p:stCondLst>
+                                        </p:cTn>
+                                        <p:tgtEl>
+                                          <p:spTgt spid="3">
+                                            <p:txEl>
+                                              <p:pRg st="1" end="1"/>
+                                            </p:txEl>
+                                          </p:spTgt>
+                                        </p:tgtEl>
+                                        <p:attrNameLst>
+                                          <p:attrName>style.visibility</p:attrName>
+                                        </p:attrNameLst>
+                                      </p:cBhvr>
+                                      <p:to>
+                                        <p:strVal val="visible"/>
+                                      </p:to>
+                                    </p:set>
+                                  </p:childTnLst>
+                                </p:cTn>
+                              </p:par>
+                            </p:childTnLst>
+                          </p:cTn>
+                        </p:par>
+                      </p:childTnLst>
+                    </p:cTn>
+                  </p:par>
+                  <p:par>
+                    <p:cTn id="11" fill="hold">
+                      <p:stCondLst>
+                        <p:cond delay="indefinite"/>
+                      </p:stCondLst>
+                      <p:childTnLst>
+                        <p:par>
+                          <p:cTn id="12" fill="hold">
+                            <p:stCondLst>
+                              <p:cond delay="0"/>
+                            </p:stCondLst>
+                            <p:childTnLst>
+                              <p:par>
+                                <p:cTn id="13" presetID="1" presetClass="entr" presetSubtype="0" fill="hold" grpId="0" nodeType="clickEffect">
+                                  <p:stCondLst>
+                                    <p:cond delay="0"/>
+                                  </p:stCondLst>
+                                  <p:childTnLst>
+                                    <p:set>
+                                      <p:cBhvr>
+                                        <p:cTn id="14" dur="1" fill="hold">
+                                          <p:stCondLst>
+                                            <p:cond delay="0"/>
+                                          </p:stCondLst>
+                                        </p:cTn>
+                                        <p:tgtEl>
+                                          <p:spTgt spid="3">
+                                            <p:txEl>
+                                              <p:pRg st="2" end="2"/>
+                                            </p:txEl>
+                                          </p:spTgt>
+                                        </p:tgtEl>
+                                        <p:attrNameLst>
+                                          <p:attrName>style.visibility</p:attrName>
+                                        </p:attrNameLst>
+                                      </p:cBhvr>
+                                      <p:to>
+                                        <p:strVal val="visible"/>
+                                      </p:to>
+                                    </p:set>
+                                  </p:childTnLst>
+                                </p:cTn>
+                              </p:par>
+                            </p:childTnLst>
+                          </p:cTn>
+                        </p:par>
+                      </p:childTnLst>
+                    </p:cTn>
+                  </p:par>
+                  <p:par>
+                    <p:cTn id="15" fill="hold">
+                      <p:stCondLst>
+                        <p:cond delay="indefinite"/>
+                      </p:stCondLst>
+                      <p:childTnLst>
+                        <p:par>
+                          <p:cTn id="16" fill="hold">
+                            <p:stCondLst>
+                              <p:cond delay="0"/>
+                            </p:stCondLst>
+                            <p:childTnLst>
+                              <p:par>
+                                <p:cTn id="17" presetID="1" presetClass="entr" presetSubtype="0" fill="hold" grpId="0" nodeType="clickEffect">
+                                  <p:stCondLst>
+                                    <p:cond delay="0"/>
+                                  </p:stCondLst>
+                                  <p:childTnLst>
+                                    <p:set>
+                                      <p:cBhvr>
+                                        <p:cTn id="18" dur="1" fill="hold">
+                                          <p:stCondLst>
+                                            <p:cond delay="0"/>
+                                          </p:stCondLst>
+                                        </p:cTn>
+                                        <p:tgtEl>
+                                          <p:spTgt spid="3">
+                                            <p:txEl>
+                                              <p:pRg st="3" end="3"/>
+                                            </p:txEl>
+                                          </p:spTgt>
+                                        </p:tgtEl>
+                                        <p:attrNameLst>
+                                          <p:attrName>style.visibility</p:attrName>
+                                        </p:attrNameLst>
+                                      </p:cBhvr>
+                                      <p:to>
+                                        <p:strVal val="visible"/>
+                                      </p:to>
+                                    </p:set>
+                                  </p:childTnLst>
+                                </p:cTn>
+                              </p:par>
+                            </p:childTnLst>
+                          </p:cTn>
+                        </p:par>
+                      </p:childTnLst>
+                    </p:cTn>
+                  </p:par>
+                  <p:par>
+                    <p:cTn id="19" fill="hold">
+                      <p:stCondLst>
+                        <p:cond delay="indefinite"/>
+                      </p:stCondLst>
+                      <p:childTnLst>
+                        <p:par>
+                          <p:cTn id="20" fill="hold">
+                            <p:stCondLst>
+                              <p:cond delay="0"/>
+                            </p:stCondLst>
+                            <p:childTnLst>
+                              <p:par>
+                                <p:cTn id="21" presetID="1" presetClass="entr" presetSubtype="0" fill="hold" grpId="0" nodeType="clickEffect">
+                                  <p:stCondLst>
+                                    <p:cond delay="0"/>
+                                  </p:stCondLst>
+                                  <p:childTnLst>
+                                    <p:set>
+                                      <p:cBhvr>
+                                        <p:cTn id="22" dur="1" fill="hold">
+                                          <p:stCondLst>
+                                            <p:cond delay="0"/>
+                                          </p:stCondLst>
+                                        </p:cTn>
+                                        <p:tgtEl>
+                                          <p:spTgt spid="3">
+                                            <p:txEl>
+                                              <p:pRg st="4" end="4"/>
+                                            </p:txEl>
+                                          </p:spTgt>
+                                        </p:tgtEl>
+                                        <p:attrNameLst>
+                                          <p:attrName>style.visibility</p:attrName>
+                                        </p:attrNameLst>
+                                      </p:cBhvr>
+                                      <p:to>
+                                        <p:strVal val="visible"/>
+                                      </p:to>
+                                    </p:set>
+                                  </p:childTnLst>
+                                </p:cTn>
+                              </p:par>
+                            </p:childTnLst>
+                          </p:cTn>
+                        </p:par>
+                      </p:childTnLst>
+                    </p:cTn>
+                  </p:par>
+                </p:childTnLst>
+              </p:cTn>
+              <p:prevCondLst>
+                <p:cond evt="onPrev" delay="0">
+                  <p:tgtEl>
+                    <p:sldTgt/>
+                  </p:tgtEl>
+                </p:cond>
+              </p:prevCondLst>
+              <p:nextCondLst>
+                <p:cond evt="onNext" delay="0">
+                  <p:tgtEl>
+                    <p:sldTgt/>
+                  </p:tgtEl>
+                </p:cond>
+              </p:nextCondLst>
+            </p:seq>
+          </p:childTnLst>
+        </p:cTn>
+      </p:par>
+    </p:tnLst>
+    <p:bldLst>
+      <p:bldP spid="3" grpId="0" build="p"/>
+    </p:bldLst>
+  </p:timing>
+</p:sld>
+</file>
+
+<file path=ppt/slides/slide23.xml><?xml version="1.0" encoding="utf-8"?>
+<p:sld xmlns:a="http://schemas.openxmlformats.org/drawingml/2006/main" xmlns:r="http://schemas.openxmlformats.org/officeDocument/2006/relationships" xmlns:p="http://schemas.openxmlformats.org/presentationml/2006/main">
+  <p:cSld>
+    <p:spTree>
+      <p:nvGrpSpPr>
+        <p:cNvPr id="1" name=""/>
+        <p:cNvGrpSpPr/>
+        <p:nvPr/>
+      </p:nvGrpSpPr>
+      <p:grpSpPr>
+        <a:xfrm>
+          <a:off x="0" y="0"/>
+          <a:ext cx="0" cy="0"/>
+          <a:chOff x="0" y="0"/>
+          <a:chExt cx="0" cy="0"/>
+        </a:xfrm>
+      </p:grpSpPr>
+      <p:sp>
+        <p:nvSpPr>
+          <p:cNvPr id="2" name="Title 1"/>
+          <p:cNvSpPr>
+            <a:spLocks noGrp="1"/>
+          </p:cNvSpPr>
+          <p:nvPr>
+            <p:ph type="title"/>
+          </p:nvPr>
+        </p:nvSpPr>
+        <p:spPr/>
+        <p:txBody>
+          <a:bodyPr/>
+          <a:lstStyle/>
+          <a:p>
+            <a:r>
+              <a:rPr lang="en-CA" dirty="0" smtClean="0"/>
+              <a:t>Recap chapter 3</a:t>
             </a:r>
             <a:endParaRPr lang="en-CA" dirty="0"/>
           </a:p>
@@ -7887,8 +9097,16 @@
           </a:p>
           <a:p>
             <a:r>
+              <a:rPr lang="en-CA" dirty="0"/>
+              <a:t>I</a:t>
+            </a:r>
+            <a:r>
               <a:rPr lang="en-CA" dirty="0" smtClean="0"/>
-              <a:t>Next class: instance-based representation </a:t>
+              <a:t>nstance-based </a:t>
+            </a:r>
+            <a:r>
+              <a:rPr lang="en-CA" dirty="0" smtClean="0"/>
+              <a:t>representation </a:t>
             </a:r>
             <a:endParaRPr lang="en-CA" dirty="0"/>
           </a:p>
@@ -8170,7 +9388,11 @@
           <a:p>
             <a:r>
               <a:rPr lang="en-CA" dirty="0" smtClean="0"/>
-              <a:t>Outline:</a:t>
+              <a:t>Today’s Outline</a:t>
+            </a:r>
+            <a:r>
+              <a:rPr lang="en-CA" dirty="0" smtClean="0"/>
+              <a:t>: all of chapter 3</a:t>
             </a:r>
             <a:endParaRPr lang="en-CA" dirty="0"/>
           </a:p>
@@ -8198,13 +9420,8 @@
           <a:p>
             <a:r>
               <a:rPr lang="en-CA" dirty="0" smtClean="0"/>
-              <a:t>High level overview of different types of </a:t>
-            </a:r>
-            <a:r>
-              <a:rPr lang="en-CA" dirty="0" smtClean="0"/>
-              <a:t>output </a:t>
-            </a:r>
-            <a:endParaRPr lang="en-CA" dirty="0" smtClean="0"/>
+              <a:t>High level overview of different types of output </a:t>
+            </a:r>
           </a:p>
           <a:p>
             <a:r>
@@ -8220,20 +9437,24 @@
           </a:p>
           <a:p>
             <a:r>
-              <a:rPr lang="en-CA" b="1" dirty="0" smtClean="0"/>
+              <a:rPr lang="en-CA" dirty="0" smtClean="0"/>
               <a:t>Decision trees</a:t>
             </a:r>
           </a:p>
           <a:p>
             <a:r>
-              <a:rPr lang="en-CA" b="1" dirty="0" smtClean="0"/>
+              <a:rPr lang="en-CA" dirty="0" smtClean="0"/>
               <a:t>Rule sets (classification rules, association rules, exceptions to rules)</a:t>
             </a:r>
           </a:p>
           <a:p>
             <a:r>
               <a:rPr lang="en-CA" dirty="0" smtClean="0"/>
-              <a:t>Instance-based learning</a:t>
+              <a:t>Instance-based </a:t>
+            </a:r>
+            <a:r>
+              <a:rPr lang="en-CA" dirty="0" smtClean="0"/>
+              <a:t>learning</a:t>
             </a:r>
           </a:p>
           <a:p>
@@ -8694,260 +9915,7 @@
           <a:p>
             <a:r>
               <a:rPr lang="en-CA" dirty="0" smtClean="0"/>
-              <a:t>Overview</a:t>
-            </a:r>
-            <a:endParaRPr lang="en-CA" dirty="0"/>
-          </a:p>
-        </p:txBody>
-      </p:sp>
-      <p:sp>
-        <p:nvSpPr>
-          <p:cNvPr id="3" name="Content Placeholder 2"/>
-          <p:cNvSpPr>
-            <a:spLocks noGrp="1"/>
-          </p:cNvSpPr>
-          <p:nvPr>
-            <p:ph idx="1"/>
-          </p:nvPr>
-        </p:nvSpPr>
-        <p:spPr/>
-        <p:txBody>
-          <a:bodyPr/>
-          <a:lstStyle/>
-          <a:p>
-            <a:r>
-              <a:rPr lang="en-CA" dirty="0" smtClean="0"/>
-              <a:t>Many techniques we will cover produce easily comprehensible descriptions of structural patterns in data</a:t>
-            </a:r>
-          </a:p>
-          <a:p>
-            <a:r>
-              <a:rPr lang="en-CA" dirty="0" smtClean="0"/>
-              <a:t>Before examining these techniques in depth, need to see how structural patterns can be expressed</a:t>
-            </a:r>
-          </a:p>
-          <a:p>
-            <a:pPr lvl="1"/>
-            <a:r>
-              <a:rPr lang="en-CA" dirty="0" smtClean="0"/>
-              <a:t>Know where you’re going to see how to get there</a:t>
-            </a:r>
-          </a:p>
-          <a:p>
-            <a:endParaRPr lang="en-CA" dirty="0"/>
-          </a:p>
-        </p:txBody>
-      </p:sp>
-    </p:spTree>
-    <p:extLst>
-      <p:ext uri="{BB962C8B-B14F-4D97-AF65-F5344CB8AC3E}">
-        <p14:creationId xmlns:p14="http://schemas.microsoft.com/office/powerpoint/2010/main" val="2986744200"/>
-      </p:ext>
-    </p:extLst>
-  </p:cSld>
-  <p:clrMapOvr>
-    <a:masterClrMapping/>
-  </p:clrMapOvr>
-  <p:timing>
-    <p:tnLst>
-      <p:par>
-        <p:cTn id="1" dur="indefinite" restart="never" nodeType="tmRoot">
-          <p:childTnLst>
-            <p:seq concurrent="1" nextAc="seek">
-              <p:cTn id="2" dur="indefinite" nodeType="mainSeq">
-                <p:childTnLst>
-                  <p:par>
-                    <p:cTn id="3" fill="hold">
-                      <p:stCondLst>
-                        <p:cond delay="indefinite"/>
-                      </p:stCondLst>
-                      <p:childTnLst>
-                        <p:par>
-                          <p:cTn id="4" fill="hold">
-                            <p:stCondLst>
-                              <p:cond delay="0"/>
-                            </p:stCondLst>
-                            <p:childTnLst>
-                              <p:par>
-                                <p:cTn id="5" presetID="1" presetClass="entr" presetSubtype="0" fill="hold" grpId="0" nodeType="clickEffect">
-                                  <p:stCondLst>
-                                    <p:cond delay="0"/>
-                                  </p:stCondLst>
-                                  <p:childTnLst>
-                                    <p:set>
-                                      <p:cBhvr>
-                                        <p:cTn id="6" dur="1" fill="hold">
-                                          <p:stCondLst>
-                                            <p:cond delay="0"/>
-                                          </p:stCondLst>
-                                        </p:cTn>
-                                        <p:tgtEl>
-                                          <p:spTgt spid="3">
-                                            <p:txEl>
-                                              <p:pRg st="0" end="0"/>
-                                            </p:txEl>
-                                          </p:spTgt>
-                                        </p:tgtEl>
-                                        <p:attrNameLst>
-                                          <p:attrName>style.visibility</p:attrName>
-                                        </p:attrNameLst>
-                                      </p:cBhvr>
-                                      <p:to>
-                                        <p:strVal val="visible"/>
-                                      </p:to>
-                                    </p:set>
-                                  </p:childTnLst>
-                                </p:cTn>
-                              </p:par>
-                            </p:childTnLst>
-                          </p:cTn>
-                        </p:par>
-                      </p:childTnLst>
-                    </p:cTn>
-                  </p:par>
-                  <p:par>
-                    <p:cTn id="7" fill="hold">
-                      <p:stCondLst>
-                        <p:cond delay="indefinite"/>
-                      </p:stCondLst>
-                      <p:childTnLst>
-                        <p:par>
-                          <p:cTn id="8" fill="hold">
-                            <p:stCondLst>
-                              <p:cond delay="0"/>
-                            </p:stCondLst>
-                            <p:childTnLst>
-                              <p:par>
-                                <p:cTn id="9" presetID="1" presetClass="entr" presetSubtype="0" fill="hold" grpId="0" nodeType="clickEffect">
-                                  <p:stCondLst>
-                                    <p:cond delay="0"/>
-                                  </p:stCondLst>
-                                  <p:childTnLst>
-                                    <p:set>
-                                      <p:cBhvr>
-                                        <p:cTn id="10" dur="1" fill="hold">
-                                          <p:stCondLst>
-                                            <p:cond delay="0"/>
-                                          </p:stCondLst>
-                                        </p:cTn>
-                                        <p:tgtEl>
-                                          <p:spTgt spid="3">
-                                            <p:txEl>
-                                              <p:pRg st="1" end="1"/>
-                                            </p:txEl>
-                                          </p:spTgt>
-                                        </p:tgtEl>
-                                        <p:attrNameLst>
-                                          <p:attrName>style.visibility</p:attrName>
-                                        </p:attrNameLst>
-                                      </p:cBhvr>
-                                      <p:to>
-                                        <p:strVal val="visible"/>
-                                      </p:to>
-                                    </p:set>
-                                  </p:childTnLst>
-                                </p:cTn>
-                              </p:par>
-                              <p:par>
-                                <p:cTn id="11" presetID="1" presetClass="entr" presetSubtype="0" fill="hold" grpId="0" nodeType="withEffect">
-                                  <p:stCondLst>
-                                    <p:cond delay="0"/>
-                                  </p:stCondLst>
-                                  <p:childTnLst>
-                                    <p:set>
-                                      <p:cBhvr>
-                                        <p:cTn id="12" dur="1" fill="hold">
-                                          <p:stCondLst>
-                                            <p:cond delay="0"/>
-                                          </p:stCondLst>
-                                        </p:cTn>
-                                        <p:tgtEl>
-                                          <p:spTgt spid="3">
-                                            <p:txEl>
-                                              <p:pRg st="2" end="2"/>
-                                            </p:txEl>
-                                          </p:spTgt>
-                                        </p:tgtEl>
-                                        <p:attrNameLst>
-                                          <p:attrName>style.visibility</p:attrName>
-                                        </p:attrNameLst>
-                                      </p:cBhvr>
-                                      <p:to>
-                                        <p:strVal val="visible"/>
-                                      </p:to>
-                                    </p:set>
-                                  </p:childTnLst>
-                                </p:cTn>
-                              </p:par>
-                            </p:childTnLst>
-                          </p:cTn>
-                        </p:par>
-                      </p:childTnLst>
-                    </p:cTn>
-                  </p:par>
-                </p:childTnLst>
-              </p:cTn>
-              <p:prevCondLst>
-                <p:cond evt="onPrev" delay="0">
-                  <p:tgtEl>
-                    <p:sldTgt/>
-                  </p:tgtEl>
-                </p:cond>
-              </p:prevCondLst>
-              <p:nextCondLst>
-                <p:cond evt="onNext" delay="0">
-                  <p:tgtEl>
-                    <p:sldTgt/>
-                  </p:tgtEl>
-                </p:cond>
-              </p:nextCondLst>
-            </p:seq>
-          </p:childTnLst>
-        </p:cTn>
-      </p:par>
-    </p:tnLst>
-    <p:bldLst>
-      <p:bldP spid="3" grpId="0" build="p"/>
-    </p:bldLst>
-  </p:timing>
-</p:sld>
-</file>
-
-<file path=ppt/slides/slide5.xml><?xml version="1.0" encoding="utf-8"?>
-<p:sld xmlns:a="http://schemas.openxmlformats.org/drawingml/2006/main" xmlns:r="http://schemas.openxmlformats.org/officeDocument/2006/relationships" xmlns:p="http://schemas.openxmlformats.org/presentationml/2006/main">
-  <p:cSld>
-    <p:spTree>
-      <p:nvGrpSpPr>
-        <p:cNvPr id="1" name=""/>
-        <p:cNvGrpSpPr/>
-        <p:nvPr/>
-      </p:nvGrpSpPr>
-      <p:grpSpPr>
-        <a:xfrm>
-          <a:off x="0" y="0"/>
-          <a:ext cx="0" cy="0"/>
-          <a:chOff x="0" y="0"/>
-          <a:chExt cx="0" cy="0"/>
-        </a:xfrm>
-      </p:grpSpPr>
-      <p:sp>
-        <p:nvSpPr>
-          <p:cNvPr id="2" name="Title 1"/>
-          <p:cNvSpPr>
-            <a:spLocks noGrp="1"/>
-          </p:cNvSpPr>
-          <p:nvPr>
-            <p:ph type="title"/>
-          </p:nvPr>
-        </p:nvSpPr>
-        <p:spPr/>
-        <p:txBody>
-          <a:bodyPr/>
-          <a:lstStyle/>
-          <a:p>
-            <a:r>
-              <a:rPr lang="en-CA" dirty="0" smtClean="0"/>
-              <a:t>Tables</a:t>
+              <a:t>3.1 Tables</a:t>
             </a:r>
             <a:endParaRPr lang="en-CA" dirty="0"/>
           </a:p>
@@ -8970,24 +9938,59 @@
           </a:xfrm>
         </p:spPr>
         <p:txBody>
-          <a:bodyPr/>
+          <a:bodyPr>
+            <a:normAutofit fontScale="77500" lnSpcReduction="20000"/>
+          </a:bodyPr>
           <a:lstStyle/>
           <a:p>
             <a:r>
               <a:rPr lang="en-CA" dirty="0" smtClean="0"/>
-              <a:t>Output is the same as the input</a:t>
-            </a:r>
-          </a:p>
-          <a:p>
+              <a:t>Simplest way of representing the output </a:t>
+            </a:r>
             <a:r>
               <a:rPr lang="en-CA" dirty="0" smtClean="0"/>
-              <a:t>Table 1.2 (decision table for weather data)</a:t>
-            </a:r>
-          </a:p>
-          <a:p>
+              <a:t>is </a:t>
+            </a:r>
             <a:r>
               <a:rPr lang="en-CA" dirty="0" smtClean="0"/>
-              <a:t>Attribute selection (leave some out of table) (Chapter 8)</a:t>
+              <a:t>to mak</a:t>
+            </a:r>
+            <a:r>
+              <a:rPr lang="en-CA" dirty="0" smtClean="0"/>
+              <a:t>e it </a:t>
+            </a:r>
+            <a:r>
+              <a:rPr lang="en-CA" dirty="0" smtClean="0"/>
+              <a:t>the </a:t>
+            </a:r>
+            <a:r>
+              <a:rPr lang="en-CA" dirty="0" smtClean="0"/>
+              <a:t>same as the input</a:t>
+            </a:r>
+          </a:p>
+          <a:p>
+            <a:r>
+              <a:rPr lang="en-CA" dirty="0" smtClean="0"/>
+              <a:t>Decision table for weather data (look up the appropriate conditions to decide to play/not play)</a:t>
+            </a:r>
+            <a:endParaRPr lang="en-CA" dirty="0" smtClean="0"/>
+          </a:p>
+          <a:p>
+            <a:r>
+              <a:rPr lang="en-CA" dirty="0" smtClean="0"/>
+              <a:t>Can leave out some attributes if they are found to be irrelevant, reducing size of table</a:t>
+            </a:r>
+          </a:p>
+          <a:p>
+            <a:r>
+              <a:rPr lang="en-CA" dirty="0" smtClean="0"/>
+              <a:t>Attribute selection is discussed in chapter 8</a:t>
+            </a:r>
+          </a:p>
+          <a:p>
+            <a:r>
+              <a:rPr lang="en-CA" dirty="0" smtClean="0"/>
+              <a:t>When would a table not be appropriate?</a:t>
             </a:r>
             <a:endParaRPr lang="en-CA" dirty="0"/>
           </a:p>
@@ -12403,6 +13406,104 @@
                       </p:childTnLst>
                     </p:cTn>
                   </p:par>
+                  <p:par>
+                    <p:cTn id="15" fill="hold">
+                      <p:stCondLst>
+                        <p:cond delay="indefinite"/>
+                      </p:stCondLst>
+                      <p:childTnLst>
+                        <p:par>
+                          <p:cTn id="16" fill="hold">
+                            <p:stCondLst>
+                              <p:cond delay="0"/>
+                            </p:stCondLst>
+                            <p:childTnLst>
+                              <p:par>
+                                <p:cTn id="17" presetID="1" presetClass="entr" presetSubtype="0" fill="hold" grpId="0" nodeType="clickEffect">
+                                  <p:stCondLst>
+                                    <p:cond delay="0"/>
+                                  </p:stCondLst>
+                                  <p:childTnLst>
+                                    <p:set>
+                                      <p:cBhvr>
+                                        <p:cTn id="18" dur="1" fill="hold">
+                                          <p:stCondLst>
+                                            <p:cond delay="0"/>
+                                          </p:stCondLst>
+                                        </p:cTn>
+                                        <p:tgtEl>
+                                          <p:spTgt spid="3">
+                                            <p:txEl>
+                                              <p:pRg st="3" end="3"/>
+                                            </p:txEl>
+                                          </p:spTgt>
+                                        </p:tgtEl>
+                                        <p:attrNameLst>
+                                          <p:attrName>style.visibility</p:attrName>
+                                        </p:attrNameLst>
+                                      </p:cBhvr>
+                                      <p:to>
+                                        <p:strVal val="visible"/>
+                                      </p:to>
+                                    </p:set>
+                                  </p:childTnLst>
+                                </p:cTn>
+                              </p:par>
+                            </p:childTnLst>
+                          </p:cTn>
+                        </p:par>
+                      </p:childTnLst>
+                    </p:cTn>
+                  </p:par>
+                  <p:par>
+                    <p:cTn id="19" fill="hold">
+                      <p:stCondLst>
+                        <p:cond delay="indefinite"/>
+                      </p:stCondLst>
+                      <p:childTnLst>
+                        <p:par>
+                          <p:cTn id="20" fill="hold">
+                            <p:stCondLst>
+                              <p:cond delay="0"/>
+                            </p:stCondLst>
+                            <p:childTnLst>
+                              <p:par>
+                                <p:cTn id="21" presetID="1" presetClass="entr" presetSubtype="0" fill="hold" grpId="0" nodeType="clickEffect">
+                                  <p:stCondLst>
+                                    <p:cond delay="0"/>
+                                  </p:stCondLst>
+                                  <p:childTnLst>
+                                    <p:set>
+                                      <p:cBhvr>
+                                        <p:cTn id="22" dur="1" fill="hold">
+                                          <p:stCondLst>
+                                            <p:cond delay="0"/>
+                                          </p:stCondLst>
+                                        </p:cTn>
+                                        <p:tgtEl>
+                                          <p:spTgt spid="3">
+                                            <p:txEl>
+                                              <p:pRg st="4" end="4"/>
+                                            </p:txEl>
+                                          </p:spTgt>
+                                        </p:tgtEl>
+                                        <p:attrNameLst>
+                                          <p:attrName>style.visibility</p:attrName>
+                                        </p:attrNameLst>
+                                      </p:cBhvr>
+                                      <p:to>
+                                        <p:strVal val="visible"/>
+                                      </p:to>
+                                    </p:set>
+                                  </p:childTnLst>
+                                </p:cTn>
+                              </p:par>
+                            </p:childTnLst>
+                          </p:cTn>
+                        </p:par>
+                      </p:childTnLst>
+                    </p:cTn>
+                  </p:par>
                 </p:childTnLst>
               </p:cTn>
               <p:prevCondLst>
@@ -12431,7 +13532,7 @@
 </p:sld>
 </file>
 
-<file path=ppt/slides/slide6.xml><?xml version="1.0" encoding="utf-8"?>
+<file path=ppt/slides/slide5.xml><?xml version="1.0" encoding="utf-8"?>
 <p:sld xmlns:a="http://schemas.openxmlformats.org/drawingml/2006/main" xmlns:r="http://schemas.openxmlformats.org/officeDocument/2006/relationships" xmlns:p="http://schemas.openxmlformats.org/presentationml/2006/main">
   <p:cSld>
     <p:spTree>
@@ -12493,8 +13594,13 @@
           <a:p>
             <a:r>
               <a:rPr lang="en-CA" dirty="0" smtClean="0"/>
-              <a:t>Output is sum of weighted attribute values</a:t>
-            </a:r>
+              <a:t>Output is </a:t>
+            </a:r>
+            <a:r>
+              <a:rPr lang="en-CA" dirty="0" smtClean="0"/>
+              <a:t>a set of weights that we apply to attributes and sum (how do we get the weights?)</a:t>
+            </a:r>
+            <a:endParaRPr lang="en-CA" dirty="0" smtClean="0"/>
           </a:p>
           <a:p>
             <a:r>
@@ -12757,7 +13863,7 @@
 </p:sld>
 </file>
 
-<file path=ppt/slides/slide7.xml><?xml version="1.0" encoding="utf-8"?>
+<file path=ppt/slides/slide6.xml><?xml version="1.0" encoding="utf-8"?>
 <p:sld xmlns:a="http://schemas.openxmlformats.org/drawingml/2006/main" xmlns:r="http://schemas.openxmlformats.org/officeDocument/2006/relationships" xmlns:p="http://schemas.openxmlformats.org/presentationml/2006/main">
   <p:cSld>
     <p:spTree>
@@ -12815,7 +13921,7 @@
         </p:spPr>
         <p:txBody>
           <a:bodyPr>
-            <a:normAutofit fontScale="85000" lnSpcReduction="20000"/>
+            <a:normAutofit fontScale="92500" lnSpcReduction="20000"/>
           </a:bodyPr>
           <a:lstStyle/>
           <a:p>
@@ -12828,19 +13934,26 @@
             <a:pPr lvl="1"/>
             <a:r>
               <a:rPr lang="en-CA" dirty="0" smtClean="0"/>
-              <a:t>Defines where decision changes from one class to another</a:t>
-            </a:r>
-          </a:p>
-          <a:p>
+              <a:t>Defines where decision changes from one class to </a:t>
+            </a:r>
+            <a:r>
+              <a:rPr lang="en-CA" dirty="0"/>
+              <a:t>another (Decision </a:t>
+            </a:r>
             <a:r>
               <a:rPr lang="en-CA" dirty="0" smtClean="0"/>
-              <a:t>Decision boundary</a:t>
-            </a:r>
+              <a:t>boundary)</a:t>
+            </a:r>
+            <a:endParaRPr lang="en-CA" dirty="0" smtClean="0"/>
           </a:p>
           <a:p>
             <a:r>
               <a:rPr lang="en-CA" dirty="0" smtClean="0"/>
-              <a:t>Points lying on the line given by equation</a:t>
+              <a:t>Points </a:t>
+            </a:r>
+            <a:r>
+              <a:rPr lang="en-CA" dirty="0" smtClean="0"/>
+              <a:t>lying on the line given by equation</a:t>
             </a:r>
           </a:p>
           <a:p>
@@ -13156,55 +14269,6 @@
                       </p:childTnLst>
                     </p:cTn>
                   </p:par>
-                  <p:par>
-                    <p:cTn id="21" fill="hold">
-                      <p:stCondLst>
-                        <p:cond delay="indefinite"/>
-                      </p:stCondLst>
-                      <p:childTnLst>
-                        <p:par>
-                          <p:cTn id="22" fill="hold">
-                            <p:stCondLst>
-                              <p:cond delay="0"/>
-                            </p:stCondLst>
-                            <p:childTnLst>
-                              <p:par>
-                                <p:cTn id="23" presetID="1" presetClass="entr" presetSubtype="0" fill="hold" grpId="0" nodeType="clickEffect">
-                                  <p:stCondLst>
-                                    <p:cond delay="0"/>
-                                  </p:stCondLst>
-                                  <p:childTnLst>
-                                    <p:set>
-                                      <p:cBhvr>
-                                        <p:cTn id="24" dur="1" fill="hold">
-                                          <p:stCondLst>
-                                            <p:cond delay="0"/>
-                                          </p:stCondLst>
-                                        </p:cTn>
-                                        <p:tgtEl>
-                                          <p:spTgt spid="3">
-                                            <p:txEl>
-                                              <p:pRg st="5" end="5"/>
-                                            </p:txEl>
-                                          </p:spTgt>
-                                        </p:tgtEl>
-                                        <p:attrNameLst>
-                                          <p:attrName>style.visibility</p:attrName>
-                                        </p:attrNameLst>
-                                      </p:cBhvr>
-                                      <p:to>
-                                        <p:strVal val="visible"/>
-                                      </p:to>
-                                    </p:set>
-                                  </p:childTnLst>
-                                </p:cTn>
-                              </p:par>
-                            </p:childTnLst>
-                          </p:cTn>
-                        </p:par>
-                      </p:childTnLst>
-                    </p:cTn>
-                  </p:par>
                 </p:childTnLst>
               </p:cTn>
               <p:prevCondLst>
@@ -13233,7 +14297,7 @@
 </p:sld>
 </file>
 
-<file path=ppt/slides/slide8.xml><?xml version="1.0" encoding="utf-8"?>
+<file path=ppt/slides/slide7.xml><?xml version="1.0" encoding="utf-8"?>
 <p:sld xmlns:a="http://schemas.openxmlformats.org/drawingml/2006/main" xmlns:r="http://schemas.openxmlformats.org/officeDocument/2006/relationships" xmlns:p="http://schemas.openxmlformats.org/presentationml/2006/main">
   <p:cSld>
     <p:spTree>
@@ -13285,37 +14349,58 @@
         </p:nvSpPr>
         <p:spPr>
           <a:xfrm>
-            <a:off x="838200" y="1825624"/>
-            <a:ext cx="5801751" cy="4727575"/>
+            <a:off x="838200" y="1537855"/>
+            <a:ext cx="5801751" cy="5181599"/>
           </a:xfrm>
         </p:spPr>
         <p:txBody>
           <a:bodyPr>
-            <a:normAutofit fontScale="70000" lnSpcReduction="20000"/>
+            <a:normAutofit fontScale="85000" lnSpcReduction="20000"/>
           </a:bodyPr>
           <a:lstStyle/>
           <a:p>
             <a:r>
+              <a:rPr lang="en-CA" dirty="0"/>
+              <a:t>Example: contact lens </a:t>
+            </a:r>
+            <a:r>
               <a:rPr lang="en-CA" dirty="0" smtClean="0"/>
-              <a:t>Divide and conquer approach </a:t>
+              <a:t>data</a:t>
             </a:r>
             <a:endParaRPr lang="en-CA" dirty="0" smtClean="0"/>
           </a:p>
           <a:p>
             <a:r>
               <a:rPr lang="en-CA" dirty="0" smtClean="0"/>
-              <a:t>Example</a:t>
+              <a:t>Divide </a:t>
             </a:r>
             <a:r>
               <a:rPr lang="en-CA" dirty="0" smtClean="0"/>
-              <a:t>: contact lens data</a:t>
+              <a:t>and conquer approach </a:t>
             </a:r>
           </a:p>
           <a:p>
             <a:r>
               <a:rPr lang="en-CA" dirty="0" smtClean="0"/>
-              <a:t>Each node tests a given attribute, comparing it to a constant</a:t>
-            </a:r>
+              <a:t>Each </a:t>
+            </a:r>
+            <a:r>
+              <a:rPr lang="en-CA" dirty="0" smtClean="0"/>
+              <a:t>node tests a given attribute, comparing it to a </a:t>
+            </a:r>
+            <a:r>
+              <a:rPr lang="en-CA" dirty="0" smtClean="0"/>
+              <a:t>constant or nominal </a:t>
+            </a:r>
+            <a:r>
+              <a:rPr lang="en-CA" dirty="0" err="1" smtClean="0"/>
+              <a:t>attr</a:t>
+            </a:r>
+            <a:r>
+              <a:rPr lang="en-CA" dirty="0" smtClean="0"/>
+              <a:t>.</a:t>
+            </a:r>
+            <a:endParaRPr lang="en-CA" dirty="0" smtClean="0"/>
           </a:p>
           <a:p>
             <a:r>
@@ -13855,7 +14940,7 @@
 </p:sld>
 </file>
 
-<file path=ppt/slides/slide9.xml><?xml version="1.0" encoding="utf-8"?>
+<file path=ppt/slides/slide8.xml><?xml version="1.0" encoding="utf-8"?>
 <p:sld xmlns:a="http://schemas.openxmlformats.org/drawingml/2006/main" xmlns:r="http://schemas.openxmlformats.org/officeDocument/2006/relationships" xmlns:p="http://schemas.openxmlformats.org/presentationml/2006/main">
   <p:cSld>
     <p:spTree>
@@ -13894,7 +14979,7 @@
           <a:p>
             <a:r>
               <a:rPr lang="en-CA" dirty="0" smtClean="0"/>
-              <a:t>Linear regression vs regression tree vs model tree</a:t>
+              <a:t>Linear regression, Regression tree, Model tree</a:t>
             </a:r>
             <a:endParaRPr lang="en-CA" dirty="0"/>
           </a:p>
@@ -14089,15 +15174,33 @@
                                   </p:childTnLst>
                                 </p:cTn>
                               </p:par>
+                            </p:childTnLst>
+                          </p:cTn>
+                        </p:par>
+                      </p:childTnLst>
+                    </p:cTn>
+                  </p:par>
+                  <p:par>
+                    <p:cTn id="7" fill="hold">
+                      <p:stCondLst>
+                        <p:cond delay="indefinite"/>
+                      </p:stCondLst>
+                      <p:childTnLst>
+                        <p:par>
+                          <p:cTn id="8" fill="hold">
+                            <p:stCondLst>
+                              <p:cond delay="0"/>
+                            </p:stCondLst>
+                            <p:childTnLst>
                               <p:par>
-                                <p:cTn id="7" presetID="1" presetClass="entr" presetSubtype="0" fill="hold" grpId="0" nodeType="withEffect">
+                                <p:cTn id="9" presetID="1" presetClass="entr" presetSubtype="0" fill="hold" grpId="0" nodeType="clickEffect">
                                   <p:stCondLst>
                                     <p:cond delay="0"/>
                                   </p:stCondLst>
                                   <p:childTnLst>
                                     <p:set>
                                       <p:cBhvr>
-                                        <p:cTn id="8" dur="1" fill="hold">
+                                        <p:cTn id="10" dur="1" fill="hold">
                                           <p:stCondLst>
                                             <p:cond delay="0"/>
                                           </p:stCondLst>
@@ -14116,15 +15219,33 @@
                                   </p:childTnLst>
                                 </p:cTn>
                               </p:par>
+                            </p:childTnLst>
+                          </p:cTn>
+                        </p:par>
+                      </p:childTnLst>
+                    </p:cTn>
+                  </p:par>
+                  <p:par>
+                    <p:cTn id="11" fill="hold">
+                      <p:stCondLst>
+                        <p:cond delay="indefinite"/>
+                      </p:stCondLst>
+                      <p:childTnLst>
+                        <p:par>
+                          <p:cTn id="12" fill="hold">
+                            <p:stCondLst>
+                              <p:cond delay="0"/>
+                            </p:stCondLst>
+                            <p:childTnLst>
                               <p:par>
-                                <p:cTn id="9" presetID="1" presetClass="entr" presetSubtype="0" fill="hold" grpId="0" nodeType="withEffect">
+                                <p:cTn id="13" presetID="1" presetClass="entr" presetSubtype="0" fill="hold" grpId="0" nodeType="clickEffect">
                                   <p:stCondLst>
                                     <p:cond delay="0"/>
                                   </p:stCondLst>
                                   <p:childTnLst>
                                     <p:set>
                                       <p:cBhvr>
-                                        <p:cTn id="10" dur="1" fill="hold">
+                                        <p:cTn id="14" dur="1" fill="hold">
                                           <p:stCondLst>
                                             <p:cond delay="0"/>
                                           </p:stCondLst>
@@ -14174,6 +15295,265 @@
       <p:bldP spid="3" grpId="0"/>
       <p:bldP spid="5" grpId="0"/>
       <p:bldP spid="6" grpId="0"/>
+    </p:bldLst>
+  </p:timing>
+</p:sld>
+</file>
+
+<file path=ppt/slides/slide9.xml><?xml version="1.0" encoding="utf-8"?>
+<p:sld xmlns:a="http://schemas.openxmlformats.org/drawingml/2006/main" xmlns:r="http://schemas.openxmlformats.org/officeDocument/2006/relationships" xmlns:p="http://schemas.openxmlformats.org/presentationml/2006/main">
+  <p:cSld>
+    <p:spTree>
+      <p:nvGrpSpPr>
+        <p:cNvPr id="1" name=""/>
+        <p:cNvGrpSpPr/>
+        <p:nvPr/>
+      </p:nvGrpSpPr>
+      <p:grpSpPr>
+        <a:xfrm>
+          <a:off x="0" y="0"/>
+          <a:ext cx="0" cy="0"/>
+          <a:chOff x="0" y="0"/>
+          <a:chExt cx="0" cy="0"/>
+        </a:xfrm>
+      </p:grpSpPr>
+      <p:sp>
+        <p:nvSpPr>
+          <p:cNvPr id="2" name="Title 1"/>
+          <p:cNvSpPr>
+            <a:spLocks noGrp="1"/>
+          </p:cNvSpPr>
+          <p:nvPr>
+            <p:ph type="title"/>
+          </p:nvPr>
+        </p:nvSpPr>
+        <p:spPr/>
+        <p:txBody>
+          <a:bodyPr/>
+          <a:lstStyle/>
+          <a:p>
+            <a:r>
+              <a:rPr lang="en-CA" dirty="0" smtClean="0"/>
+              <a:t>Model Tree example:</a:t>
+            </a:r>
+            <a:endParaRPr lang="en-CA" dirty="0"/>
+          </a:p>
+        </p:txBody>
+      </p:sp>
+      <p:sp>
+        <p:nvSpPr>
+          <p:cNvPr id="3" name="Content Placeholder 2"/>
+          <p:cNvSpPr>
+            <a:spLocks noGrp="1"/>
+          </p:cNvSpPr>
+          <p:nvPr>
+            <p:ph idx="1"/>
+          </p:nvPr>
+        </p:nvSpPr>
+        <p:spPr>
+          <a:xfrm>
+            <a:off x="838200" y="1825625"/>
+            <a:ext cx="4135582" cy="4351338"/>
+          </a:xfrm>
+        </p:spPr>
+        <p:txBody>
+          <a:bodyPr/>
+          <a:lstStyle/>
+          <a:p>
+            <a:r>
+              <a:rPr lang="en-CA" dirty="0" smtClean="0"/>
+              <a:t>Combine regression equation with regression tree</a:t>
+            </a:r>
+          </a:p>
+          <a:p>
+            <a:r>
+              <a:rPr lang="en-CA" dirty="0" smtClean="0"/>
+              <a:t>Model tree approximates continuous functions by linear patches</a:t>
+            </a:r>
+            <a:endParaRPr lang="en-CA" dirty="0"/>
+          </a:p>
+        </p:txBody>
+      </p:sp>
+      <p:pic>
+        <p:nvPicPr>
+          <p:cNvPr id="1026" name="Picture 2" descr="Image result for model tree regression"/>
+          <p:cNvPicPr>
+            <a:picLocks noChangeAspect="1" noChangeArrowheads="1"/>
+          </p:cNvPicPr>
+          <p:nvPr/>
+        </p:nvPicPr>
+        <p:blipFill>
+          <a:blip r:embed="rId2">
+            <a:extLst>
+              <a:ext uri="{28A0092B-C50C-407E-A947-70E740481C1C}">
+                <a14:useLocalDpi xmlns:a14="http://schemas.microsoft.com/office/drawing/2010/main" val="0"/>
+              </a:ext>
+            </a:extLst>
+          </a:blip>
+          <a:srcRect/>
+          <a:stretch>
+            <a:fillRect/>
+          </a:stretch>
+        </p:blipFill>
+        <p:spPr bwMode="auto">
+          <a:xfrm>
+            <a:off x="4668768" y="1591108"/>
+            <a:ext cx="7066031" cy="4585855"/>
+          </a:xfrm>
+          <a:prstGeom prst="rect">
+            <a:avLst/>
+          </a:prstGeom>
+          <a:noFill/>
+          <a:extLst>
+            <a:ext uri="{909E8E84-426E-40DD-AFC4-6F175D3DCCD1}">
+              <a14:hiddenFill xmlns:a14="http://schemas.microsoft.com/office/drawing/2010/main">
+                <a:solidFill>
+                  <a:srgbClr val="FFFFFF"/>
+                </a:solidFill>
+              </a14:hiddenFill>
+            </a:ext>
+          </a:extLst>
+        </p:spPr>
+      </p:pic>
+    </p:spTree>
+    <p:extLst>
+      <p:ext uri="{BB962C8B-B14F-4D97-AF65-F5344CB8AC3E}">
+        <p14:creationId xmlns:p14="http://schemas.microsoft.com/office/powerpoint/2010/main" val="2483070122"/>
+      </p:ext>
+    </p:extLst>
+  </p:cSld>
+  <p:clrMapOvr>
+    <a:masterClrMapping/>
+  </p:clrMapOvr>
+  <p:timing>
+    <p:tnLst>
+      <p:par>
+        <p:cTn id="1" dur="indefinite" restart="never" nodeType="tmRoot">
+          <p:childTnLst>
+            <p:seq concurrent="1" nextAc="seek">
+              <p:cTn id="2" dur="indefinite" nodeType="mainSeq">
+                <p:childTnLst>
+                  <p:par>
+                    <p:cTn id="3" fill="hold">
+                      <p:stCondLst>
+                        <p:cond delay="indefinite"/>
+                      </p:stCondLst>
+                      <p:childTnLst>
+                        <p:par>
+                          <p:cTn id="4" fill="hold">
+                            <p:stCondLst>
+                              <p:cond delay="0"/>
+                            </p:stCondLst>
+                            <p:childTnLst>
+                              <p:par>
+                                <p:cTn id="5" presetID="1" presetClass="entr" presetSubtype="0" fill="hold" grpId="0" nodeType="clickEffect">
+                                  <p:stCondLst>
+                                    <p:cond delay="0"/>
+                                  </p:stCondLst>
+                                  <p:childTnLst>
+                                    <p:set>
+                                      <p:cBhvr>
+                                        <p:cTn id="6" dur="1" fill="hold">
+                                          <p:stCondLst>
+                                            <p:cond delay="0"/>
+                                          </p:stCondLst>
+                                        </p:cTn>
+                                        <p:tgtEl>
+                                          <p:spTgt spid="3">
+                                            <p:txEl>
+                                              <p:pRg st="0" end="0"/>
+                                            </p:txEl>
+                                          </p:spTgt>
+                                        </p:tgtEl>
+                                        <p:attrNameLst>
+                                          <p:attrName>style.visibility</p:attrName>
+                                        </p:attrNameLst>
+                                      </p:cBhvr>
+                                      <p:to>
+                                        <p:strVal val="visible"/>
+                                      </p:to>
+                                    </p:set>
+                                  </p:childTnLst>
+                                </p:cTn>
+                              </p:par>
+                            </p:childTnLst>
+                          </p:cTn>
+                        </p:par>
+                      </p:childTnLst>
+                    </p:cTn>
+                  </p:par>
+                  <p:par>
+                    <p:cTn id="7" fill="hold">
+                      <p:stCondLst>
+                        <p:cond delay="indefinite"/>
+                      </p:stCondLst>
+                      <p:childTnLst>
+                        <p:par>
+                          <p:cTn id="8" fill="hold">
+                            <p:stCondLst>
+                              <p:cond delay="0"/>
+                            </p:stCondLst>
+                            <p:childTnLst>
+                              <p:par>
+                                <p:cTn id="9" presetID="1" presetClass="entr" presetSubtype="0" fill="hold" grpId="0" nodeType="clickEffect">
+                                  <p:stCondLst>
+                                    <p:cond delay="0"/>
+                                  </p:stCondLst>
+                                  <p:childTnLst>
+                                    <p:set>
+                                      <p:cBhvr>
+                                        <p:cTn id="10" dur="1" fill="hold">
+                                          <p:stCondLst>
+                                            <p:cond delay="0"/>
+                                          </p:stCondLst>
+                                        </p:cTn>
+                                        <p:tgtEl>
+                                          <p:spTgt spid="3">
+                                            <p:txEl>
+                                              <p:pRg st="1" end="1"/>
+                                            </p:txEl>
+                                          </p:spTgt>
+                                        </p:tgtEl>
+                                        <p:attrNameLst>
+                                          <p:attrName>style.visibility</p:attrName>
+                                        </p:attrNameLst>
+                                      </p:cBhvr>
+                                      <p:to>
+                                        <p:strVal val="visible"/>
+                                      </p:to>
+                                    </p:set>
+                                  </p:childTnLst>
+                                </p:cTn>
+                              </p:par>
+                            </p:childTnLst>
+                          </p:cTn>
+                        </p:par>
+                      </p:childTnLst>
+                    </p:cTn>
+                  </p:par>
+                </p:childTnLst>
+              </p:cTn>
+              <p:prevCondLst>
+                <p:cond evt="onPrev" delay="0">
+                  <p:tgtEl>
+                    <p:sldTgt/>
+                  </p:tgtEl>
+                </p:cond>
+              </p:prevCondLst>
+              <p:nextCondLst>
+                <p:cond evt="onNext" delay="0">
+                  <p:tgtEl>
+                    <p:sldTgt/>
+                  </p:tgtEl>
+                </p:cond>
+              </p:nextCondLst>
+            </p:seq>
+          </p:childTnLst>
+        </p:cTn>
+      </p:par>
+    </p:tnLst>
+    <p:bldLst>
+      <p:bldP spid="3" grpId="0" build="p"/>
     </p:bldLst>
   </p:timing>
 </p:sld>
